--- a/PPT/seminar 2nd (1).pptx
+++ b/PPT/seminar 2nd (1).pptx
@@ -230,7 +230,7 @@
           <a:p>
             <a:fld id="{46F3E964-412C-478F-9619-34D45A6C4A3D}" type="datetimeFigureOut">
               <a:rPr lang="en-IN" smtClean="0"/>
-              <a:t>05-11-2025</a:t>
+              <a:t>06-11-2025</a:t>
             </a:fld>
             <a:endParaRPr lang="en-IN"/>
           </a:p>
@@ -833,7 +833,7 @@
           <a:p>
             <a:fld id="{1A3A546F-4A94-4493-9026-E98BE3464FC9}" type="datetimeFigureOut">
               <a:rPr lang="en-IN" smtClean="0"/>
-              <a:t>05-11-2025</a:t>
+              <a:t>06-11-2025</a:t>
             </a:fld>
             <a:endParaRPr lang="en-IN" dirty="0"/>
           </a:p>
@@ -1031,7 +1031,7 @@
           <a:p>
             <a:fld id="{1A3A546F-4A94-4493-9026-E98BE3464FC9}" type="datetimeFigureOut">
               <a:rPr lang="en-IN" smtClean="0"/>
-              <a:t>05-11-2025</a:t>
+              <a:t>06-11-2025</a:t>
             </a:fld>
             <a:endParaRPr lang="en-IN" dirty="0"/>
           </a:p>
@@ -1239,7 +1239,7 @@
           <a:p>
             <a:fld id="{1A3A546F-4A94-4493-9026-E98BE3464FC9}" type="datetimeFigureOut">
               <a:rPr lang="en-IN" smtClean="0"/>
-              <a:t>05-11-2025</a:t>
+              <a:t>06-11-2025</a:t>
             </a:fld>
             <a:endParaRPr lang="en-IN" dirty="0"/>
           </a:p>
@@ -1437,7 +1437,7 @@
           <a:p>
             <a:fld id="{1A3A546F-4A94-4493-9026-E98BE3464FC9}" type="datetimeFigureOut">
               <a:rPr lang="en-IN" smtClean="0"/>
-              <a:t>05-11-2025</a:t>
+              <a:t>06-11-2025</a:t>
             </a:fld>
             <a:endParaRPr lang="en-IN" dirty="0"/>
           </a:p>
@@ -1712,7 +1712,7 @@
           <a:p>
             <a:fld id="{1A3A546F-4A94-4493-9026-E98BE3464FC9}" type="datetimeFigureOut">
               <a:rPr lang="en-IN" smtClean="0"/>
-              <a:t>05-11-2025</a:t>
+              <a:t>06-11-2025</a:t>
             </a:fld>
             <a:endParaRPr lang="en-IN" dirty="0"/>
           </a:p>
@@ -1977,7 +1977,7 @@
           <a:p>
             <a:fld id="{1A3A546F-4A94-4493-9026-E98BE3464FC9}" type="datetimeFigureOut">
               <a:rPr lang="en-IN" smtClean="0"/>
-              <a:t>05-11-2025</a:t>
+              <a:t>06-11-2025</a:t>
             </a:fld>
             <a:endParaRPr lang="en-IN" dirty="0"/>
           </a:p>
@@ -2389,7 +2389,7 @@
           <a:p>
             <a:fld id="{1A3A546F-4A94-4493-9026-E98BE3464FC9}" type="datetimeFigureOut">
               <a:rPr lang="en-IN" smtClean="0"/>
-              <a:t>05-11-2025</a:t>
+              <a:t>06-11-2025</a:t>
             </a:fld>
             <a:endParaRPr lang="en-IN" dirty="0"/>
           </a:p>
@@ -2530,7 +2530,7 @@
           <a:p>
             <a:fld id="{1A3A546F-4A94-4493-9026-E98BE3464FC9}" type="datetimeFigureOut">
               <a:rPr lang="en-IN" smtClean="0"/>
-              <a:t>05-11-2025</a:t>
+              <a:t>06-11-2025</a:t>
             </a:fld>
             <a:endParaRPr lang="en-IN" dirty="0"/>
           </a:p>
@@ -2643,7 +2643,7 @@
           <a:p>
             <a:fld id="{1A3A546F-4A94-4493-9026-E98BE3464FC9}" type="datetimeFigureOut">
               <a:rPr lang="en-IN" smtClean="0"/>
-              <a:t>05-11-2025</a:t>
+              <a:t>06-11-2025</a:t>
             </a:fld>
             <a:endParaRPr lang="en-IN" dirty="0"/>
           </a:p>
@@ -2954,7 +2954,7 @@
           <a:p>
             <a:fld id="{1A3A546F-4A94-4493-9026-E98BE3464FC9}" type="datetimeFigureOut">
               <a:rPr lang="en-IN" smtClean="0"/>
-              <a:t>05-11-2025</a:t>
+              <a:t>06-11-2025</a:t>
             </a:fld>
             <a:endParaRPr lang="en-IN" dirty="0"/>
           </a:p>
@@ -3242,7 +3242,7 @@
           <a:p>
             <a:fld id="{1A3A546F-4A94-4493-9026-E98BE3464FC9}" type="datetimeFigureOut">
               <a:rPr lang="en-IN" smtClean="0"/>
-              <a:t>05-11-2025</a:t>
+              <a:t>06-11-2025</a:t>
             </a:fld>
             <a:endParaRPr lang="en-IN" dirty="0"/>
           </a:p>
@@ -3483,7 +3483,7 @@
           <a:p>
             <a:fld id="{1A3A546F-4A94-4493-9026-E98BE3464FC9}" type="datetimeFigureOut">
               <a:rPr lang="en-IN" smtClean="0"/>
-              <a:t>05-11-2025</a:t>
+              <a:t>06-11-2025</a:t>
             </a:fld>
             <a:endParaRPr lang="en-IN" dirty="0"/>
           </a:p>
@@ -4237,6 +4237,18 @@
   <p:clrMapOvr>
     <a:masterClrMapping/>
   </p:clrMapOvr>
+  <mc:AlternateContent xmlns:mc="http://schemas.openxmlformats.org/markup-compatibility/2006">
+    <mc:Choice xmlns:p14="http://schemas.microsoft.com/office/powerpoint/2010/main" Requires="p14">
+      <p:transition spd="slow" p14:dur="1500">
+        <p:split orient="vert"/>
+      </p:transition>
+    </mc:Choice>
+    <mc:Fallback>
+      <p:transition spd="slow">
+        <p:split orient="vert"/>
+      </p:transition>
+    </mc:Fallback>
+  </mc:AlternateContent>
 </p:sld>
 </file>
 
@@ -5992,7 +6004,7 @@
           <a:lstStyle/>
           <a:p>
             <a:r>
-              <a:rPr lang="en-IN" b="1">
+              <a:rPr lang="en-IN" b="1" dirty="0">
                 <a:solidFill>
                   <a:srgbClr val="FFFFFF"/>
                 </a:solidFill>
@@ -6002,7 +6014,7 @@
               <a:t>Reference</a:t>
             </a:r>
             <a:br>
-              <a:rPr lang="en-IN">
+              <a:rPr lang="en-IN" dirty="0">
                 <a:solidFill>
                   <a:srgbClr val="FFFFFF"/>
                 </a:solidFill>
@@ -6010,7 +6022,7 @@
                 <a:cs typeface="Times New Roman" panose="02020603050405020304" pitchFamily="18" charset="0"/>
               </a:rPr>
             </a:br>
-            <a:endParaRPr lang="en-IN">
+            <a:endParaRPr lang="en-IN" dirty="0">
               <a:solidFill>
                 <a:srgbClr val="FFFFFF"/>
               </a:solidFill>
@@ -6097,8 +6109,8 @@
         </p:nvSpPr>
         <p:spPr>
           <a:xfrm>
-            <a:off x="4447308" y="591344"/>
-            <a:ext cx="8209512" cy="5585619"/>
+            <a:off x="4167272" y="704200"/>
+            <a:ext cx="8024728" cy="5449600"/>
           </a:xfrm>
         </p:spPr>
         <p:txBody>
@@ -6111,10 +6123,157 @@
               <a:buFont typeface="+mj-lt"/>
               <a:buAutoNum type="arabicPeriod"/>
             </a:pPr>
-            <a:endParaRPr lang="en-IN" dirty="0">
-              <a:latin typeface="Times New Roman" panose="02020603050405020304" pitchFamily="18" charset="0"/>
-              <a:cs typeface="Times New Roman" panose="02020603050405020304" pitchFamily="18" charset="0"/>
-            </a:endParaRPr>
+            <a:r>
+              <a:rPr lang="en-US" sz="1800" dirty="0">
+                <a:latin typeface="Times New Roman" panose="02020603050405020304" pitchFamily="18" charset="0"/>
+                <a:cs typeface="Times New Roman" panose="02020603050405020304" pitchFamily="18" charset="0"/>
+              </a:rPr>
+              <a:t>S. </a:t>
+            </a:r>
+            <a:r>
+              <a:rPr lang="en-US" sz="1800" dirty="0" err="1">
+                <a:latin typeface="Times New Roman" panose="02020603050405020304" pitchFamily="18" charset="0"/>
+                <a:cs typeface="Times New Roman" panose="02020603050405020304" pitchFamily="18" charset="0"/>
+              </a:rPr>
+              <a:t>Divate</a:t>
+            </a:r>
+            <a:r>
+              <a:rPr lang="en-US" sz="1800" dirty="0">
+                <a:latin typeface="Times New Roman" panose="02020603050405020304" pitchFamily="18" charset="0"/>
+                <a:cs typeface="Times New Roman" panose="02020603050405020304" pitchFamily="18" charset="0"/>
+              </a:rPr>
+              <a:t>, G. Biradar, A. Patole, and N. Attar, “Real Time Language Translator,” </a:t>
+            </a:r>
+            <a:r>
+              <a:rPr lang="en-US" sz="1800" i="1" dirty="0">
+                <a:latin typeface="Times New Roman" panose="02020603050405020304" pitchFamily="18" charset="0"/>
+                <a:cs typeface="Times New Roman" panose="02020603050405020304" pitchFamily="18" charset="0"/>
+              </a:rPr>
+              <a:t>International Research Journal of Modernization in Engineering Technology and Science (IRJMETS)</a:t>
+            </a:r>
+            <a:r>
+              <a:rPr lang="en-US" sz="1800" dirty="0">
+                <a:latin typeface="Times New Roman" panose="02020603050405020304" pitchFamily="18" charset="0"/>
+                <a:cs typeface="Times New Roman" panose="02020603050405020304" pitchFamily="18" charset="0"/>
+              </a:rPr>
+              <a:t>, vol. 5, no. 12, pp. [insert page numbers if known], Dec. 2023</a:t>
+            </a:r>
+          </a:p>
+          <a:p>
+            <a:pPr marL="514350" indent="-514350">
+              <a:buFont typeface="+mj-lt"/>
+              <a:buAutoNum type="arabicPeriod"/>
+            </a:pPr>
+            <a:r>
+              <a:rPr lang="en-US" sz="1800" dirty="0">
+                <a:latin typeface="Times New Roman" panose="02020603050405020304" pitchFamily="18" charset="0"/>
+                <a:cs typeface="Times New Roman" panose="02020603050405020304" pitchFamily="18" charset="0"/>
+              </a:rPr>
+              <a:t>D. </a:t>
+            </a:r>
+            <a:r>
+              <a:rPr lang="en-US" sz="1800" dirty="0" err="1">
+                <a:latin typeface="Times New Roman" panose="02020603050405020304" pitchFamily="18" charset="0"/>
+                <a:cs typeface="Times New Roman" panose="02020603050405020304" pitchFamily="18" charset="0"/>
+              </a:rPr>
+              <a:t>Shilvant</a:t>
+            </a:r>
+            <a:r>
+              <a:rPr lang="en-US" sz="1800" dirty="0">
+                <a:latin typeface="Times New Roman" panose="02020603050405020304" pitchFamily="18" charset="0"/>
+                <a:cs typeface="Times New Roman" panose="02020603050405020304" pitchFamily="18" charset="0"/>
+              </a:rPr>
+              <a:t>, E. Sayyed, S. Jagdale, and R. Waghmare, “Real Time Voice Translator,” </a:t>
+            </a:r>
+            <a:r>
+              <a:rPr lang="en-US" sz="1800" i="1" dirty="0">
+                <a:latin typeface="Times New Roman" panose="02020603050405020304" pitchFamily="18" charset="0"/>
+                <a:cs typeface="Times New Roman" panose="02020603050405020304" pitchFamily="18" charset="0"/>
+              </a:rPr>
+              <a:t>International Journal of Advanced Research in Science, Communication and Technology (IJARSCT)</a:t>
+            </a:r>
+            <a:r>
+              <a:rPr lang="en-US" sz="1800" dirty="0">
+                <a:latin typeface="Times New Roman" panose="02020603050405020304" pitchFamily="18" charset="0"/>
+                <a:cs typeface="Times New Roman" panose="02020603050405020304" pitchFamily="18" charset="0"/>
+              </a:rPr>
+              <a:t>, vol. 4, no. 1, pp. [insert page numbers if known], Apr. 2024.</a:t>
+            </a:r>
+          </a:p>
+          <a:p>
+            <a:pPr marL="514350" indent="-514350">
+              <a:buFont typeface="+mj-lt"/>
+              <a:buAutoNum type="arabicPeriod"/>
+            </a:pPr>
+            <a:r>
+              <a:rPr lang="en-US" sz="1800" dirty="0">
+                <a:latin typeface="Times New Roman" panose="02020603050405020304" pitchFamily="18" charset="0"/>
+                <a:cs typeface="Times New Roman" panose="02020603050405020304" pitchFamily="18" charset="0"/>
+              </a:rPr>
+              <a:t>D. Patel, M. </a:t>
+            </a:r>
+            <a:r>
+              <a:rPr lang="en-US" sz="1800" dirty="0" err="1">
+                <a:latin typeface="Times New Roman" panose="02020603050405020304" pitchFamily="18" charset="0"/>
+                <a:cs typeface="Times New Roman" panose="02020603050405020304" pitchFamily="18" charset="0"/>
+              </a:rPr>
+              <a:t>Kudalkar</a:t>
+            </a:r>
+            <a:r>
+              <a:rPr lang="en-US" sz="1800" dirty="0">
+                <a:latin typeface="Times New Roman" panose="02020603050405020304" pitchFamily="18" charset="0"/>
+                <a:cs typeface="Times New Roman" panose="02020603050405020304" pitchFamily="18" charset="0"/>
+              </a:rPr>
+              <a:t>, S. Gupta, and R. Pawar, “Real-Time Text and Speech Translation Using Sequence-to-Sequence Approach,” </a:t>
+            </a:r>
+            <a:r>
+              <a:rPr lang="en-US" sz="1800" i="1" dirty="0">
+                <a:latin typeface="Times New Roman" panose="02020603050405020304" pitchFamily="18" charset="0"/>
+                <a:cs typeface="Times New Roman" panose="02020603050405020304" pitchFamily="18" charset="0"/>
+              </a:rPr>
+              <a:t>Proceedings of the Third International Conference on Inventive Research in Computing Applications (ICIRCA-2021).</a:t>
+            </a:r>
+          </a:p>
+          <a:p>
+            <a:pPr marL="514350" indent="-514350">
+              <a:buFont typeface="+mj-lt"/>
+              <a:buAutoNum type="arabicPeriod"/>
+            </a:pPr>
+            <a:r>
+              <a:rPr lang="en-US" sz="1800" dirty="0">
+                <a:latin typeface="Times New Roman" panose="02020603050405020304" pitchFamily="18" charset="0"/>
+                <a:cs typeface="Times New Roman" panose="02020603050405020304" pitchFamily="18" charset="0"/>
+              </a:rPr>
+              <a:t>R. Prasad, K. </a:t>
+            </a:r>
+            <a:r>
+              <a:rPr lang="en-US" sz="1800" dirty="0" err="1">
+                <a:latin typeface="Times New Roman" panose="02020603050405020304" pitchFamily="18" charset="0"/>
+                <a:cs typeface="Times New Roman" panose="02020603050405020304" pitchFamily="18" charset="0"/>
+              </a:rPr>
+              <a:t>Krstovski</a:t>
+            </a:r>
+            <a:r>
+              <a:rPr lang="en-US" sz="1800" dirty="0">
+                <a:latin typeface="Times New Roman" panose="02020603050405020304" pitchFamily="18" charset="0"/>
+                <a:cs typeface="Times New Roman" panose="02020603050405020304" pitchFamily="18" charset="0"/>
+              </a:rPr>
+              <a:t>, F. Choi, S. Saleem, P. Natarajan, M. Decerbo, and D. Stallard, “Real-Time Speech-to-Speech Translation for PDAs,” </a:t>
+            </a:r>
+            <a:r>
+              <a:rPr lang="en-US" sz="1800" i="1" dirty="0">
+                <a:latin typeface="Times New Roman" panose="02020603050405020304" pitchFamily="18" charset="0"/>
+                <a:cs typeface="Times New Roman" panose="02020603050405020304" pitchFamily="18" charset="0"/>
+              </a:rPr>
+              <a:t>BBN Technologies</a:t>
+            </a:r>
+            <a:r>
+              <a:rPr lang="en-US" sz="1800" dirty="0">
+                <a:latin typeface="Times New Roman" panose="02020603050405020304" pitchFamily="18" charset="0"/>
+                <a:cs typeface="Times New Roman" panose="02020603050405020304" pitchFamily="18" charset="0"/>
+              </a:rPr>
+              <a:t>, Cambridge, MA, USA</a:t>
+            </a:r>
           </a:p>
         </p:txBody>
       </p:sp>
@@ -7201,6 +7360,14 @@
 <file path=ppt/slides/slide4.xml><?xml version="1.0" encoding="utf-8"?>
 <p:sld xmlns:a="http://schemas.openxmlformats.org/drawingml/2006/main" xmlns:r="http://schemas.openxmlformats.org/officeDocument/2006/relationships" xmlns:p="http://schemas.openxmlformats.org/presentationml/2006/main">
   <p:cSld>
+    <p:bg>
+      <p:bgPr>
+        <a:solidFill>
+          <a:schemeClr val="bg1"/>
+        </a:solidFill>
+        <a:effectLst/>
+      </p:bgPr>
+    </p:bg>
     <p:spTree>
       <p:nvGrpSpPr>
         <p:cNvPr id="1" name=""/>
@@ -7215,36 +7382,341 @@
           <a:chExt cx="0" cy="0"/>
         </a:xfrm>
       </p:grpSpPr>
-      <p:sp>
-        <p:nvSpPr>
-          <p:cNvPr id="2" name="Title 1">
-            <a:extLst>
-              <a:ext uri="{FF2B5EF4-FFF2-40B4-BE49-F238E27FC236}">
-                <a16:creationId xmlns:a16="http://schemas.microsoft.com/office/drawing/2014/main" id="{EF5B589C-CB21-9288-43BA-349D7FA0A3A3}"/>
-              </a:ext>
-            </a:extLst>
-          </p:cNvPr>
-          <p:cNvSpPr>
-            <a:spLocks noGrp="1"/>
-          </p:cNvSpPr>
-          <p:nvPr>
-            <p:ph type="title"/>
+      <p:sp useBgFill="1">
+        <p:nvSpPr>
+          <p:cNvPr id="8" name="Rectangle 7">
+            <a:extLst>
+              <a:ext uri="{FF2B5EF4-FFF2-40B4-BE49-F238E27FC236}">
+                <a16:creationId xmlns:a16="http://schemas.microsoft.com/office/drawing/2014/main" id="{BACC6370-2D7E-4714-9D71-7542949D7D5D}"/>
+              </a:ext>
+              <a:ext uri="{C183D7F6-B498-43B3-948B-1728B52AA6E4}">
+                <adec:decorative xmlns:adec="http://schemas.microsoft.com/office/drawing/2017/decorative" val="1"/>
+              </a:ext>
+            </a:extLst>
+          </p:cNvPr>
+          <p:cNvSpPr>
+            <a:spLocks noGrp="1" noRot="1" noChangeAspect="1" noMove="1" noResize="1" noEditPoints="1" noAdjustHandles="1" noChangeArrowheads="1" noChangeShapeType="1" noTextEdit="1"/>
+          </p:cNvSpPr>
+          <p:nvPr>
+            <p:extLst>
+              <p:ext uri="{386F3935-93C4-4BCD-93E2-E3B085C9AB24}">
+                <p16:designElem xmlns:p16="http://schemas.microsoft.com/office/powerpoint/2015/main" val="1"/>
+              </p:ext>
+            </p:extLst>
           </p:nvPr>
         </p:nvSpPr>
         <p:spPr>
           <a:xfrm>
-            <a:off x="78299" y="184354"/>
-            <a:ext cx="5239762" cy="1142999"/>
+            <a:off x="0" y="0"/>
+            <a:ext cx="12192000" cy="6858000"/>
+          </a:xfrm>
+          <a:prstGeom prst="rect">
+            <a:avLst/>
+          </a:prstGeom>
+          <a:ln w="12700" cap="flat" cmpd="sng" algn="ctr">
+            <a:noFill/>
+            <a:prstDash val="solid"/>
+            <a:miter lim="800000"/>
+          </a:ln>
+          <a:effectLst/>
+          <a:extLst>
+            <a:ext uri="{91240B29-F687-4F45-9708-019B960494DF}">
+              <a14:hiddenLine xmlns:a14="http://schemas.microsoft.com/office/drawing/2010/main" w="12700" cap="flat" cmpd="sng" algn="ctr">
+                <a:solidFill>
+                  <a:schemeClr val="accent1">
+                    <a:shade val="50000"/>
+                  </a:schemeClr>
+                </a:solidFill>
+                <a:prstDash val="solid"/>
+                <a:miter lim="800000"/>
+              </a14:hiddenLine>
+            </a:ext>
+          </a:extLst>
+        </p:spPr>
+        <p:style>
+          <a:lnRef idx="2">
+            <a:schemeClr val="accent1">
+              <a:shade val="50000"/>
+            </a:schemeClr>
+          </a:lnRef>
+          <a:fillRef idx="1">
+            <a:schemeClr val="accent1"/>
+          </a:fillRef>
+          <a:effectRef idx="0">
+            <a:schemeClr val="accent1"/>
+          </a:effectRef>
+          <a:fontRef idx="minor">
+            <a:schemeClr val="lt1"/>
+          </a:fontRef>
+        </p:style>
+        <p:txBody>
+          <a:bodyPr rtlCol="0" anchor="ctr"/>
+          <a:lstStyle/>
+          <a:p>
+            <a:pPr algn="ctr"/>
+            <a:endParaRPr lang="en-US"/>
+          </a:p>
+        </p:txBody>
+      </p:sp>
+      <p:sp>
+        <p:nvSpPr>
+          <p:cNvPr id="10" name="Rectangle 9">
+            <a:extLst>
+              <a:ext uri="{FF2B5EF4-FFF2-40B4-BE49-F238E27FC236}">
+                <a16:creationId xmlns:a16="http://schemas.microsoft.com/office/drawing/2014/main" id="{F68B3F68-107C-434F-AA38-110D5EA91B85}"/>
+              </a:ext>
+              <a:ext uri="{C183D7F6-B498-43B3-948B-1728B52AA6E4}">
+                <adec:decorative xmlns:adec="http://schemas.microsoft.com/office/drawing/2017/decorative" val="1"/>
+              </a:ext>
+            </a:extLst>
+          </p:cNvPr>
+          <p:cNvSpPr>
+            <a:spLocks noGrp="1" noRot="1" noChangeAspect="1" noMove="1" noResize="1" noEditPoints="1" noAdjustHandles="1" noChangeArrowheads="1" noChangeShapeType="1" noTextEdit="1"/>
+          </p:cNvSpPr>
+          <p:nvPr>
+            <p:extLst>
+              <p:ext uri="{386F3935-93C4-4BCD-93E2-E3B085C9AB24}">
+                <p16:designElem xmlns:p16="http://schemas.microsoft.com/office/powerpoint/2015/main" val="1"/>
+              </p:ext>
+            </p:extLst>
+          </p:nvPr>
+        </p:nvSpPr>
+        <p:spPr>
+          <a:xfrm flipH="1">
+            <a:off x="2" y="0"/>
+            <a:ext cx="12191998" cy="1575955"/>
+          </a:xfrm>
+          <a:prstGeom prst="rect">
+            <a:avLst/>
+          </a:prstGeom>
+          <a:gradFill>
+            <a:gsLst>
+              <a:gs pos="0">
+                <a:srgbClr val="000000">
+                  <a:alpha val="96000"/>
+                </a:srgbClr>
+              </a:gs>
+              <a:gs pos="100000">
+                <a:schemeClr val="accent1">
+                  <a:lumMod val="75000"/>
+                </a:schemeClr>
+              </a:gs>
+            </a:gsLst>
+            <a:lin ang="8400000" scaled="0"/>
+          </a:gradFill>
+          <a:ln>
+            <a:noFill/>
+          </a:ln>
+        </p:spPr>
+        <p:style>
+          <a:lnRef idx="2">
+            <a:schemeClr val="accent1">
+              <a:shade val="50000"/>
+            </a:schemeClr>
+          </a:lnRef>
+          <a:fillRef idx="1">
+            <a:schemeClr val="accent1"/>
+          </a:fillRef>
+          <a:effectRef idx="0">
+            <a:schemeClr val="accent1"/>
+          </a:effectRef>
+          <a:fontRef idx="minor">
+            <a:schemeClr val="lt1"/>
+          </a:fontRef>
+        </p:style>
+        <p:txBody>
+          <a:bodyPr rtlCol="0" anchor="ctr"/>
+          <a:lstStyle/>
+          <a:p>
+            <a:pPr algn="ctr"/>
+            <a:endParaRPr lang="en-US"/>
+          </a:p>
+        </p:txBody>
+      </p:sp>
+      <p:sp>
+        <p:nvSpPr>
+          <p:cNvPr id="12" name="Rectangle 11">
+            <a:extLst>
+              <a:ext uri="{FF2B5EF4-FFF2-40B4-BE49-F238E27FC236}">
+                <a16:creationId xmlns:a16="http://schemas.microsoft.com/office/drawing/2014/main" id="{AAD0DBB9-1A4B-4391-81D4-CB19F9AB918A}"/>
+              </a:ext>
+              <a:ext uri="{C183D7F6-B498-43B3-948B-1728B52AA6E4}">
+                <adec:decorative xmlns:adec="http://schemas.microsoft.com/office/drawing/2017/decorative" val="1"/>
+              </a:ext>
+            </a:extLst>
+          </p:cNvPr>
+          <p:cNvSpPr>
+            <a:spLocks noGrp="1" noRot="1" noChangeAspect="1" noMove="1" noResize="1" noEditPoints="1" noAdjustHandles="1" noChangeArrowheads="1" noChangeShapeType="1" noTextEdit="1"/>
+          </p:cNvSpPr>
+          <p:nvPr>
+            <p:extLst>
+              <p:ext uri="{386F3935-93C4-4BCD-93E2-E3B085C9AB24}">
+                <p16:designElem xmlns:p16="http://schemas.microsoft.com/office/powerpoint/2015/main" val="1"/>
+              </p:ext>
+            </p:extLst>
+          </p:nvPr>
+        </p:nvSpPr>
+        <p:spPr>
+          <a:xfrm rot="10800000" flipH="1">
+            <a:off x="8128857" y="0"/>
+            <a:ext cx="4063143" cy="1576412"/>
+          </a:xfrm>
+          <a:prstGeom prst="rect">
+            <a:avLst/>
+          </a:prstGeom>
+          <a:gradFill>
+            <a:gsLst>
+              <a:gs pos="19000">
+                <a:schemeClr val="accent1">
+                  <a:lumMod val="50000"/>
+                  <a:alpha val="68000"/>
+                </a:schemeClr>
+              </a:gs>
+              <a:gs pos="100000">
+                <a:schemeClr val="accent1">
+                  <a:alpha val="79000"/>
+                </a:schemeClr>
+              </a:gs>
+            </a:gsLst>
+            <a:lin ang="19200000" scaled="0"/>
+          </a:gradFill>
+          <a:ln>
+            <a:noFill/>
+          </a:ln>
+        </p:spPr>
+        <p:style>
+          <a:lnRef idx="2">
+            <a:schemeClr val="accent1">
+              <a:shade val="50000"/>
+            </a:schemeClr>
+          </a:lnRef>
+          <a:fillRef idx="1">
+            <a:schemeClr val="accent1"/>
+          </a:fillRef>
+          <a:effectRef idx="0">
+            <a:schemeClr val="accent1"/>
+          </a:effectRef>
+          <a:fontRef idx="minor">
+            <a:schemeClr val="lt1"/>
+          </a:fontRef>
+        </p:style>
+        <p:txBody>
+          <a:bodyPr rtlCol="0" anchor="ctr"/>
+          <a:lstStyle/>
+          <a:p>
+            <a:pPr algn="ctr"/>
+            <a:endParaRPr lang="en-US"/>
+          </a:p>
+        </p:txBody>
+      </p:sp>
+      <p:sp>
+        <p:nvSpPr>
+          <p:cNvPr id="14" name="Rectangle 13">
+            <a:extLst>
+              <a:ext uri="{FF2B5EF4-FFF2-40B4-BE49-F238E27FC236}">
+                <a16:creationId xmlns:a16="http://schemas.microsoft.com/office/drawing/2014/main" id="{063BBA22-50EA-4C4D-BE05-F1CE4E63AA56}"/>
+              </a:ext>
+              <a:ext uri="{C183D7F6-B498-43B3-948B-1728B52AA6E4}">
+                <adec:decorative xmlns:adec="http://schemas.microsoft.com/office/drawing/2017/decorative" val="1"/>
+              </a:ext>
+            </a:extLst>
+          </p:cNvPr>
+          <p:cNvSpPr>
+            <a:spLocks noGrp="1" noRot="1" noChangeAspect="1" noMove="1" noResize="1" noEditPoints="1" noAdjustHandles="1" noChangeArrowheads="1" noChangeShapeType="1" noTextEdit="1"/>
+          </p:cNvSpPr>
+          <p:nvPr>
+            <p:extLst>
+              <p:ext uri="{386F3935-93C4-4BCD-93E2-E3B085C9AB24}">
+                <p16:designElem xmlns:p16="http://schemas.microsoft.com/office/powerpoint/2015/main" val="1"/>
+              </p:ext>
+            </p:extLst>
+          </p:nvPr>
+        </p:nvSpPr>
+        <p:spPr>
+          <a:xfrm rot="5400000">
+            <a:off x="5307777" y="-5307778"/>
+            <a:ext cx="1576446" cy="12192002"/>
+          </a:xfrm>
+          <a:prstGeom prst="rect">
+            <a:avLst/>
+          </a:prstGeom>
+          <a:gradFill>
+            <a:gsLst>
+              <a:gs pos="23000">
+                <a:schemeClr val="accent1">
+                  <a:alpha val="0"/>
+                </a:schemeClr>
+              </a:gs>
+              <a:gs pos="99000">
+                <a:srgbClr val="000000">
+                  <a:alpha val="74000"/>
+                </a:srgbClr>
+              </a:gs>
+            </a:gsLst>
+            <a:lin ang="20400000" scaled="0"/>
+          </a:gradFill>
+          <a:ln>
+            <a:noFill/>
+          </a:ln>
+        </p:spPr>
+        <p:style>
+          <a:lnRef idx="2">
+            <a:schemeClr val="accent1">
+              <a:shade val="50000"/>
+            </a:schemeClr>
+          </a:lnRef>
+          <a:fillRef idx="1">
+            <a:schemeClr val="accent1"/>
+          </a:fillRef>
+          <a:effectRef idx="0">
+            <a:schemeClr val="accent1"/>
+          </a:effectRef>
+          <a:fontRef idx="minor">
+            <a:schemeClr val="lt1"/>
+          </a:fontRef>
+        </p:style>
+        <p:txBody>
+          <a:bodyPr rtlCol="0" anchor="ctr"/>
+          <a:lstStyle/>
+          <a:p>
+            <a:pPr algn="ctr"/>
+            <a:endParaRPr lang="en-US" dirty="0"/>
+          </a:p>
+        </p:txBody>
+      </p:sp>
+      <p:sp>
+        <p:nvSpPr>
+          <p:cNvPr id="2" name="Title 1">
+            <a:extLst>
+              <a:ext uri="{FF2B5EF4-FFF2-40B4-BE49-F238E27FC236}">
+                <a16:creationId xmlns:a16="http://schemas.microsoft.com/office/drawing/2014/main" id="{EF5B589C-CB21-9288-43BA-349D7FA0A3A3}"/>
+              </a:ext>
+            </a:extLst>
+          </p:cNvPr>
+          <p:cNvSpPr>
+            <a:spLocks noGrp="1"/>
+          </p:cNvSpPr>
+          <p:nvPr>
+            <p:ph type="title"/>
+          </p:nvPr>
+        </p:nvSpPr>
+        <p:spPr>
+          <a:xfrm>
+            <a:off x="1371597" y="348865"/>
+            <a:ext cx="10044023" cy="877729"/>
           </a:xfrm>
         </p:spPr>
         <p:txBody>
-          <a:bodyPr>
+          <a:bodyPr anchor="ctr">
             <a:normAutofit/>
           </a:bodyPr>
           <a:lstStyle/>
           <a:p>
             <a:r>
-              <a:rPr lang="en-US" dirty="0">
+              <a:rPr lang="en-US" sz="4000">
+                <a:solidFill>
+                  <a:srgbClr val="FFFFFF"/>
+                </a:solidFill>
                 <a:latin typeface="Times New Roman" panose="02020603050405020304" pitchFamily="18" charset="0"/>
                 <a:cs typeface="Times New Roman" panose="02020603050405020304" pitchFamily="18" charset="0"/>
               </a:rPr>
@@ -7253,31 +7725,455 @@
           </a:p>
         </p:txBody>
       </p:sp>
-      <p:sp>
-        <p:nvSpPr>
-          <p:cNvPr id="6" name="Content Placeholder 5">
-            <a:extLst>
-              <a:ext uri="{FF2B5EF4-FFF2-40B4-BE49-F238E27FC236}">
-                <a16:creationId xmlns:a16="http://schemas.microsoft.com/office/drawing/2014/main" id="{3F5C197C-13E6-9242-C15A-8F70B9C02B51}"/>
-              </a:ext>
-            </a:extLst>
-          </p:cNvPr>
-          <p:cNvSpPr>
-            <a:spLocks noGrp="1"/>
-          </p:cNvSpPr>
+      <p:graphicFrame>
+        <p:nvGraphicFramePr>
+          <p:cNvPr id="3" name="Content Placeholder 2">
+            <a:extLst>
+              <a:ext uri="{FF2B5EF4-FFF2-40B4-BE49-F238E27FC236}">
+                <a16:creationId xmlns:a16="http://schemas.microsoft.com/office/drawing/2014/main" id="{9730E1F1-DC38-ED76-6163-6301FF49FDE4}"/>
+              </a:ext>
+            </a:extLst>
+          </p:cNvPr>
+          <p:cNvGraphicFramePr>
+            <a:graphicFrameLocks noGrp="1"/>
+          </p:cNvGraphicFramePr>
           <p:nvPr>
             <p:ph idx="1"/>
-          </p:nvPr>
-        </p:nvSpPr>
-        <p:spPr/>
-        <p:txBody>
-          <a:bodyPr/>
-          <a:lstStyle/>
-          <a:p>
-            <a:endParaRPr lang="en-US" dirty="0"/>
-          </a:p>
-        </p:txBody>
-      </p:sp>
+            <p:extLst>
+              <p:ext uri="{D42A27DB-BD31-4B8C-83A1-F6EECF244321}">
+                <p14:modId xmlns:p14="http://schemas.microsoft.com/office/powerpoint/2010/main" val="4286463477"/>
+              </p:ext>
+            </p:extLst>
+          </p:nvPr>
+        </p:nvGraphicFramePr>
+        <p:xfrm>
+          <a:off x="632085" y="2040749"/>
+          <a:ext cx="10927830" cy="4123817"/>
+        </p:xfrm>
+        <a:graphic>
+          <a:graphicData uri="http://schemas.openxmlformats.org/drawingml/2006/table">
+            <a:tbl>
+              <a:tblPr firstRow="1" bandRow="1">
+                <a:tableStyleId>{5940675A-B579-460E-94D1-54222C63F5DA}</a:tableStyleId>
+              </a:tblPr>
+              <a:tblGrid>
+                <a:gridCol w="637944">
+                  <a:extLst>
+                    <a:ext uri="{9D8B030D-6E8A-4147-A177-3AD203B41FA5}">
+                      <a16:colId xmlns:a16="http://schemas.microsoft.com/office/drawing/2014/main" val="2710160738"/>
+                    </a:ext>
+                  </a:extLst>
+                </a:gridCol>
+                <a:gridCol w="3276154">
+                  <a:extLst>
+                    <a:ext uri="{9D8B030D-6E8A-4147-A177-3AD203B41FA5}">
+                      <a16:colId xmlns:a16="http://schemas.microsoft.com/office/drawing/2014/main" val="3875518407"/>
+                    </a:ext>
+                  </a:extLst>
+                </a:gridCol>
+                <a:gridCol w="2085910">
+                  <a:extLst>
+                    <a:ext uri="{9D8B030D-6E8A-4147-A177-3AD203B41FA5}">
+                      <a16:colId xmlns:a16="http://schemas.microsoft.com/office/drawing/2014/main" val="3356012082"/>
+                    </a:ext>
+                  </a:extLst>
+                </a:gridCol>
+                <a:gridCol w="4927822">
+                  <a:extLst>
+                    <a:ext uri="{9D8B030D-6E8A-4147-A177-3AD203B41FA5}">
+                      <a16:colId xmlns:a16="http://schemas.microsoft.com/office/drawing/2014/main" val="3454548035"/>
+                    </a:ext>
+                  </a:extLst>
+                </a:gridCol>
+              </a:tblGrid>
+              <a:tr h="620249">
+                <a:tc>
+                  <a:txBody>
+                    <a:bodyPr/>
+                    <a:lstStyle/>
+                    <a:p>
+                      <a:pPr marL="0" marR="0" lvl="0" indent="0" algn="ctr" defTabSz="914400" rtl="0" eaLnBrk="1" fontAlgn="auto" latinLnBrk="0" hangingPunct="1">
+                        <a:lnSpc>
+                          <a:spcPct val="100000"/>
+                        </a:lnSpc>
+                        <a:spcBef>
+                          <a:spcPts val="0"/>
+                        </a:spcBef>
+                        <a:spcAft>
+                          <a:spcPts val="0"/>
+                        </a:spcAft>
+                        <a:buClrTx/>
+                        <a:buSzTx/>
+                        <a:buFontTx/>
+                        <a:buNone/>
+                        <a:tabLst/>
+                        <a:defRPr/>
+                      </a:pPr>
+                      <a:r>
+                        <a:rPr lang="en-US" sz="1600">
+                          <a:latin typeface="Times New Roman" panose="02020603050405020304" pitchFamily="18" charset="0"/>
+                          <a:cs typeface="Times New Roman" panose="02020603050405020304" pitchFamily="18" charset="0"/>
+                        </a:rPr>
+                        <a:t>Ref. No </a:t>
+                      </a:r>
+                      <a:endParaRPr lang="en-IN" sz="1600">
+                        <a:latin typeface="Times New Roman" panose="02020603050405020304" pitchFamily="18" charset="0"/>
+                        <a:cs typeface="Times New Roman" panose="02020603050405020304" pitchFamily="18" charset="0"/>
+                      </a:endParaRPr>
+                    </a:p>
+                  </a:txBody>
+                  <a:tcPr marL="83817" marR="83817" marT="41909" marB="41909"/>
+                </a:tc>
+                <a:tc>
+                  <a:txBody>
+                    <a:bodyPr/>
+                    <a:lstStyle/>
+                    <a:p>
+                      <a:pPr marL="0" marR="0" lvl="0" indent="0" algn="ctr" defTabSz="914400" rtl="0" eaLnBrk="1" fontAlgn="auto" latinLnBrk="0" hangingPunct="1">
+                        <a:lnSpc>
+                          <a:spcPct val="100000"/>
+                        </a:lnSpc>
+                        <a:spcBef>
+                          <a:spcPts val="0"/>
+                        </a:spcBef>
+                        <a:spcAft>
+                          <a:spcPts val="0"/>
+                        </a:spcAft>
+                        <a:buClrTx/>
+                        <a:buSzTx/>
+                        <a:buFontTx/>
+                        <a:buNone/>
+                        <a:tabLst/>
+                        <a:defRPr/>
+                      </a:pPr>
+                      <a:r>
+                        <a:rPr lang="en-US" sz="1600" b="1" dirty="0">
+                          <a:latin typeface="Times New Roman" panose="02020603050405020304" pitchFamily="18" charset="0"/>
+                          <a:cs typeface="Times New Roman" panose="02020603050405020304" pitchFamily="18" charset="0"/>
+                        </a:rPr>
+                        <a:t>Reference  Papers/Books Name </a:t>
+                      </a:r>
+                      <a:endParaRPr lang="en-IN" sz="1600" b="1" dirty="0">
+                        <a:latin typeface="Times New Roman" panose="02020603050405020304" pitchFamily="18" charset="0"/>
+                        <a:cs typeface="Times New Roman" panose="02020603050405020304" pitchFamily="18" charset="0"/>
+                      </a:endParaRPr>
+                    </a:p>
+                  </a:txBody>
+                  <a:tcPr marL="83817" marR="83817" marT="41909" marB="41909"/>
+                </a:tc>
+                <a:tc>
+                  <a:txBody>
+                    <a:bodyPr/>
+                    <a:lstStyle/>
+                    <a:p>
+                      <a:pPr marL="0" marR="0" lvl="0" indent="0" algn="ctr" defTabSz="914400" rtl="0" eaLnBrk="1" fontAlgn="auto" latinLnBrk="0" hangingPunct="1">
+                        <a:lnSpc>
+                          <a:spcPct val="100000"/>
+                        </a:lnSpc>
+                        <a:spcBef>
+                          <a:spcPts val="0"/>
+                        </a:spcBef>
+                        <a:spcAft>
+                          <a:spcPts val="0"/>
+                        </a:spcAft>
+                        <a:buClrTx/>
+                        <a:buSzTx/>
+                        <a:buFontTx/>
+                        <a:buNone/>
+                        <a:tabLst/>
+                        <a:defRPr/>
+                      </a:pPr>
+                      <a:r>
+                        <a:rPr lang="en-US" sz="1600" b="1">
+                          <a:latin typeface="Times New Roman" panose="02020603050405020304" pitchFamily="18" charset="0"/>
+                          <a:cs typeface="Times New Roman" panose="02020603050405020304" pitchFamily="18" charset="0"/>
+                        </a:rPr>
+                        <a:t>Author Name </a:t>
+                      </a:r>
+                      <a:endParaRPr lang="en-IN" sz="1600" b="1">
+                        <a:latin typeface="Times New Roman" panose="02020603050405020304" pitchFamily="18" charset="0"/>
+                        <a:cs typeface="Times New Roman" panose="02020603050405020304" pitchFamily="18" charset="0"/>
+                      </a:endParaRPr>
+                    </a:p>
+                  </a:txBody>
+                  <a:tcPr marL="83817" marR="83817" marT="41909" marB="41909"/>
+                </a:tc>
+                <a:tc>
+                  <a:txBody>
+                    <a:bodyPr/>
+                    <a:lstStyle/>
+                    <a:p>
+                      <a:pPr algn="ctr"/>
+                      <a:r>
+                        <a:rPr lang="en-US" sz="1600" b="1">
+                          <a:latin typeface="Times New Roman" panose="02020603050405020304" pitchFamily="18" charset="0"/>
+                          <a:cs typeface="Times New Roman" panose="02020603050405020304" pitchFamily="18" charset="0"/>
+                        </a:rPr>
+                        <a:t>Description</a:t>
+                      </a:r>
+                      <a:endParaRPr lang="en-US" sz="1600">
+                        <a:latin typeface="Times New Roman" panose="02020603050405020304" pitchFamily="18" charset="0"/>
+                        <a:cs typeface="Times New Roman" panose="02020603050405020304" pitchFamily="18" charset="0"/>
+                      </a:endParaRPr>
+                    </a:p>
+                  </a:txBody>
+                  <a:tcPr marL="83817" marR="83817" marT="41909" marB="41909"/>
+                </a:tc>
+                <a:extLst>
+                  <a:ext uri="{0D108BD9-81ED-4DB2-BD59-A6C34878D82A}">
+                    <a16:rowId xmlns:a16="http://schemas.microsoft.com/office/drawing/2014/main" val="3620235572"/>
+                  </a:ext>
+                </a:extLst>
+              </a:tr>
+              <a:tr h="1626058">
+                <a:tc>
+                  <a:txBody>
+                    <a:bodyPr/>
+                    <a:lstStyle/>
+                    <a:p>
+                      <a:pPr algn="ctr"/>
+                      <a:r>
+                        <a:rPr lang="en-US" sz="1600">
+                          <a:latin typeface="Times New Roman" panose="02020603050405020304" pitchFamily="18" charset="0"/>
+                          <a:cs typeface="Times New Roman" panose="02020603050405020304" pitchFamily="18" charset="0"/>
+                        </a:rPr>
+                        <a:t>1.</a:t>
+                      </a:r>
+                    </a:p>
+                  </a:txBody>
+                  <a:tcPr marL="83817" marR="83817" marT="41909" marB="41909"/>
+                </a:tc>
+                <a:tc>
+                  <a:txBody>
+                    <a:bodyPr/>
+                    <a:lstStyle/>
+                    <a:p>
+                      <a:pPr algn="just"/>
+                      <a:r>
+                        <a:rPr lang="en-US" sz="1600">
+                          <a:latin typeface="Times New Roman" panose="02020603050405020304" pitchFamily="18" charset="0"/>
+                          <a:cs typeface="Times New Roman" panose="02020603050405020304" pitchFamily="18" charset="0"/>
+                        </a:rPr>
+                        <a:t>Real-Time Speech-to-Speech Translation for PDAs</a:t>
+                      </a:r>
+                    </a:p>
+                  </a:txBody>
+                  <a:tcPr marL="83817" marR="83817" marT="41909" marB="41909"/>
+                </a:tc>
+                <a:tc>
+                  <a:txBody>
+                    <a:bodyPr/>
+                    <a:lstStyle/>
+                    <a:p>
+                      <a:pPr algn="just"/>
+                      <a:r>
+                        <a:rPr lang="en-US" sz="1600">
+                          <a:latin typeface="Times New Roman" panose="02020603050405020304" pitchFamily="18" charset="0"/>
+                          <a:cs typeface="Times New Roman" panose="02020603050405020304" pitchFamily="18" charset="0"/>
+                        </a:rPr>
+                        <a:t>R. Prasad, </a:t>
+                      </a:r>
+                    </a:p>
+                    <a:p>
+                      <a:pPr algn="just"/>
+                      <a:r>
+                        <a:rPr lang="en-US" sz="1600">
+                          <a:latin typeface="Times New Roman" panose="02020603050405020304" pitchFamily="18" charset="0"/>
+                          <a:cs typeface="Times New Roman" panose="02020603050405020304" pitchFamily="18" charset="0"/>
+                        </a:rPr>
+                        <a:t>K. Krstovski,</a:t>
+                      </a:r>
+                    </a:p>
+                    <a:p>
+                      <a:pPr algn="just"/>
+                      <a:r>
+                        <a:rPr lang="en-US" sz="1600">
+                          <a:latin typeface="Times New Roman" panose="02020603050405020304" pitchFamily="18" charset="0"/>
+                          <a:cs typeface="Times New Roman" panose="02020603050405020304" pitchFamily="18" charset="0"/>
+                        </a:rPr>
+                        <a:t> F. Choi,</a:t>
+                      </a:r>
+                    </a:p>
+                    <a:p>
+                      <a:pPr algn="just"/>
+                      <a:r>
+                        <a:rPr lang="en-US" sz="1600">
+                          <a:latin typeface="Times New Roman" panose="02020603050405020304" pitchFamily="18" charset="0"/>
+                          <a:cs typeface="Times New Roman" panose="02020603050405020304" pitchFamily="18" charset="0"/>
+                        </a:rPr>
+                        <a:t> S. Saleem,</a:t>
+                      </a:r>
+                    </a:p>
+                  </a:txBody>
+                  <a:tcPr marL="83817" marR="83817" marT="41909" marB="41909"/>
+                </a:tc>
+                <a:tc>
+                  <a:txBody>
+                    <a:bodyPr/>
+                    <a:lstStyle/>
+                    <a:p>
+                      <a:pPr algn="l"/>
+                      <a:r>
+                        <a:rPr lang="en-US" sz="1600" b="1">
+                          <a:latin typeface="Times New Roman" panose="02020603050405020304" pitchFamily="18" charset="0"/>
+                          <a:cs typeface="Times New Roman" panose="02020603050405020304" pitchFamily="18" charset="0"/>
+                        </a:rPr>
+                        <a:t>Real-Time Speech-to-Speech Translation for PDAs</a:t>
+                      </a:r>
+                      <a:r>
+                        <a:rPr lang="en-US" sz="1600">
+                          <a:latin typeface="Times New Roman" panose="02020603050405020304" pitchFamily="18" charset="0"/>
+                          <a:cs typeface="Times New Roman" panose="02020603050405020304" pitchFamily="18" charset="0"/>
+                        </a:rPr>
+                        <a:t> is a system that helps people who speak different languages communicate easily. It listens to what a person says, converts the speech into text, translates it into another language, and then speaks it out loud in that language — all in real time. </a:t>
+                      </a:r>
+                    </a:p>
+                  </a:txBody>
+                  <a:tcPr marL="83817" marR="83817" marT="41909" marB="41909"/>
+                </a:tc>
+                <a:extLst>
+                  <a:ext uri="{0D108BD9-81ED-4DB2-BD59-A6C34878D82A}">
+                    <a16:rowId xmlns:a16="http://schemas.microsoft.com/office/drawing/2014/main" val="3942415331"/>
+                  </a:ext>
+                </a:extLst>
+              </a:tr>
+              <a:tr h="1877510">
+                <a:tc>
+                  <a:txBody>
+                    <a:bodyPr/>
+                    <a:lstStyle/>
+                    <a:p>
+                      <a:pPr algn="ctr"/>
+                      <a:r>
+                        <a:rPr lang="en-US" sz="1600">
+                          <a:latin typeface="Times New Roman" panose="02020603050405020304" pitchFamily="18" charset="0"/>
+                          <a:cs typeface="Times New Roman" panose="02020603050405020304" pitchFamily="18" charset="0"/>
+                        </a:rPr>
+                        <a:t>2.</a:t>
+                      </a:r>
+                    </a:p>
+                  </a:txBody>
+                  <a:tcPr marL="83817" marR="83817" marT="41909" marB="41909"/>
+                </a:tc>
+                <a:tc>
+                  <a:txBody>
+                    <a:bodyPr/>
+                    <a:lstStyle/>
+                    <a:p>
+                      <a:pPr algn="just"/>
+                      <a:r>
+                        <a:rPr lang="en-US" sz="1600">
+                          <a:latin typeface="Times New Roman" panose="02020603050405020304" pitchFamily="18" charset="0"/>
+                          <a:cs typeface="Times New Roman" panose="02020603050405020304" pitchFamily="18" charset="0"/>
+                        </a:rPr>
+                        <a:t>Real-Time Text &amp; Speech Translation Using Sequence To Sequence Approach </a:t>
+                      </a:r>
+                    </a:p>
+                  </a:txBody>
+                  <a:tcPr marL="83817" marR="83817" marT="41909" marB="41909"/>
+                </a:tc>
+                <a:tc>
+                  <a:txBody>
+                    <a:bodyPr/>
+                    <a:lstStyle/>
+                    <a:p>
+                      <a:pPr algn="just"/>
+                      <a:r>
+                        <a:rPr lang="en-US" sz="1600">
+                          <a:latin typeface="Times New Roman" panose="02020603050405020304" pitchFamily="18" charset="0"/>
+                          <a:cs typeface="Times New Roman" panose="02020603050405020304" pitchFamily="18" charset="0"/>
+                        </a:rPr>
+                        <a:t>Dikshita Patel,</a:t>
+                      </a:r>
+                    </a:p>
+                    <a:p>
+                      <a:pPr algn="just"/>
+                      <a:r>
+                        <a:rPr lang="en-US" sz="1600">
+                          <a:latin typeface="Times New Roman" panose="02020603050405020304" pitchFamily="18" charset="0"/>
+                          <a:cs typeface="Times New Roman" panose="02020603050405020304" pitchFamily="18" charset="0"/>
+                        </a:rPr>
+                        <a:t>Minakshi Kudalkar ,</a:t>
+                      </a:r>
+                    </a:p>
+                    <a:p>
+                      <a:pPr algn="just"/>
+                      <a:r>
+                        <a:rPr lang="en-US" sz="1600">
+                          <a:latin typeface="Times New Roman" panose="02020603050405020304" pitchFamily="18" charset="0"/>
+                          <a:cs typeface="Times New Roman" panose="02020603050405020304" pitchFamily="18" charset="0"/>
+                        </a:rPr>
+                        <a:t>Shashank Gupta ,</a:t>
+                      </a:r>
+                    </a:p>
+                    <a:p>
+                      <a:pPr algn="just"/>
+                      <a:r>
+                        <a:rPr lang="en-US" sz="1600">
+                          <a:latin typeface="Times New Roman" panose="02020603050405020304" pitchFamily="18" charset="0"/>
+                          <a:cs typeface="Times New Roman" panose="02020603050405020304" pitchFamily="18" charset="0"/>
+                        </a:rPr>
+                        <a:t>Renuka Pawar</a:t>
+                      </a:r>
+                    </a:p>
+                  </a:txBody>
+                  <a:tcPr marL="83817" marR="83817" marT="41909" marB="41909"/>
+                </a:tc>
+                <a:tc>
+                  <a:txBody>
+                    <a:bodyPr/>
+                    <a:lstStyle/>
+                    <a:p>
+                      <a:pPr algn="l"/>
+                      <a:r>
+                        <a:rPr lang="en-US" sz="1600" dirty="0">
+                          <a:latin typeface="Times New Roman" panose="02020603050405020304" pitchFamily="18" charset="0"/>
+                          <a:cs typeface="Times New Roman" panose="02020603050405020304" pitchFamily="18" charset="0"/>
+                        </a:rPr>
+                        <a:t>The paper </a:t>
+                      </a:r>
+                      <a:r>
+                        <a:rPr lang="en-US" sz="1600" b="1" dirty="0">
+                          <a:latin typeface="Times New Roman" panose="02020603050405020304" pitchFamily="18" charset="0"/>
+                          <a:cs typeface="Times New Roman" panose="02020603050405020304" pitchFamily="18" charset="0"/>
+                        </a:rPr>
+                        <a:t>“Real-Time Text &amp; Speech Translation Using Sequence-to-Sequence Approach”</a:t>
+                      </a:r>
+                      <a:r>
+                        <a:rPr lang="en-US" sz="1600" dirty="0">
+                          <a:latin typeface="Times New Roman" panose="02020603050405020304" pitchFamily="18" charset="0"/>
+                          <a:cs typeface="Times New Roman" panose="02020603050405020304" pitchFamily="18" charset="0"/>
+                        </a:rPr>
+                        <a:t> describes a system that helps people talk or chat in different languages in real time. It listens to speech, turns it into text, translates it into another language, and then speaks it back instantly. The system uses a </a:t>
+                      </a:r>
+                      <a:r>
+                        <a:rPr lang="en-US" sz="1600" b="1" dirty="0">
+                          <a:latin typeface="Times New Roman" panose="02020603050405020304" pitchFamily="18" charset="0"/>
+                          <a:cs typeface="Times New Roman" panose="02020603050405020304" pitchFamily="18" charset="0"/>
+                        </a:rPr>
+                        <a:t>CNN-based model</a:t>
+                      </a:r>
+                      <a:r>
+                        <a:rPr lang="en-US" sz="1600" dirty="0">
+                          <a:latin typeface="Times New Roman" panose="02020603050405020304" pitchFamily="18" charset="0"/>
+                          <a:cs typeface="Times New Roman" panose="02020603050405020304" pitchFamily="18" charset="0"/>
+                        </a:rPr>
+                        <a:t> for faster and more accurate translation. </a:t>
+                      </a:r>
+                    </a:p>
+                  </a:txBody>
+                  <a:tcPr marL="83817" marR="83817" marT="41909" marB="41909"/>
+                </a:tc>
+                <a:extLst>
+                  <a:ext uri="{0D108BD9-81ED-4DB2-BD59-A6C34878D82A}">
+                    <a16:rowId xmlns:a16="http://schemas.microsoft.com/office/drawing/2014/main" val="362041869"/>
+                  </a:ext>
+                </a:extLst>
+              </a:tr>
+            </a:tbl>
+          </a:graphicData>
+        </a:graphic>
+      </p:graphicFrame>
     </p:spTree>
     <p:extLst>
       <p:ext uri="{BB962C8B-B14F-4D97-AF65-F5344CB8AC3E}">
@@ -7308,56 +8204,523 @@
           <a:chExt cx="0" cy="0"/>
         </a:xfrm>
       </p:grpSpPr>
-      <p:sp>
-        <p:nvSpPr>
-          <p:cNvPr id="2" name="Title 1">
-            <a:extLst>
-              <a:ext uri="{FF2B5EF4-FFF2-40B4-BE49-F238E27FC236}">
-                <a16:creationId xmlns:a16="http://schemas.microsoft.com/office/drawing/2014/main" id="{E6D0D03A-337B-19D1-44AC-E164E69681FA}"/>
-              </a:ext>
-            </a:extLst>
-          </p:cNvPr>
-          <p:cNvSpPr>
-            <a:spLocks noGrp="1"/>
-          </p:cNvSpPr>
-          <p:nvPr>
-            <p:ph type="title"/>
-          </p:nvPr>
-        </p:nvSpPr>
-        <p:spPr/>
-        <p:txBody>
-          <a:bodyPr/>
-          <a:lstStyle/>
-          <a:p>
-            <a:endParaRPr lang="en-US" dirty="0"/>
-          </a:p>
-        </p:txBody>
-      </p:sp>
-      <p:sp>
-        <p:nvSpPr>
-          <p:cNvPr id="3" name="Content Placeholder 2">
-            <a:extLst>
-              <a:ext uri="{FF2B5EF4-FFF2-40B4-BE49-F238E27FC236}">
-                <a16:creationId xmlns:a16="http://schemas.microsoft.com/office/drawing/2014/main" id="{915FFD49-7464-DBDD-C02D-E5FDD4EAC065}"/>
-              </a:ext>
-            </a:extLst>
-          </p:cNvPr>
-          <p:cNvSpPr>
-            <a:spLocks noGrp="1"/>
-          </p:cNvSpPr>
-          <p:nvPr>
-            <p:ph idx="1"/>
-          </p:nvPr>
-        </p:nvSpPr>
-        <p:spPr/>
-        <p:txBody>
-          <a:bodyPr/>
-          <a:lstStyle/>
-          <a:p>
-            <a:endParaRPr lang="en-US"/>
-          </a:p>
-        </p:txBody>
-      </p:sp>
+      <p:graphicFrame>
+        <p:nvGraphicFramePr>
+          <p:cNvPr id="4" name="Content Placeholder 2">
+            <a:extLst>
+              <a:ext uri="{FF2B5EF4-FFF2-40B4-BE49-F238E27FC236}">
+                <a16:creationId xmlns:a16="http://schemas.microsoft.com/office/drawing/2014/main" id="{5DF1B5EC-BF04-AADC-BB80-2205680BBA7A}"/>
+              </a:ext>
+            </a:extLst>
+          </p:cNvPr>
+          <p:cNvGraphicFramePr>
+            <a:graphicFrameLocks/>
+          </p:cNvGraphicFramePr>
+          <p:nvPr>
+            <p:extLst>
+              <p:ext uri="{D42A27DB-BD31-4B8C-83A1-F6EECF244321}">
+                <p14:modId xmlns:p14="http://schemas.microsoft.com/office/powerpoint/2010/main" val="3058527140"/>
+              </p:ext>
+            </p:extLst>
+          </p:nvPr>
+        </p:nvGraphicFramePr>
+        <p:xfrm>
+          <a:off x="408709" y="945573"/>
+          <a:ext cx="11679382" cy="5625581"/>
+        </p:xfrm>
+        <a:graphic>
+          <a:graphicData uri="http://schemas.openxmlformats.org/drawingml/2006/table">
+            <a:tbl>
+              <a:tblPr firstRow="1" bandRow="1">
+                <a:tableStyleId>{5940675A-B579-460E-94D1-54222C63F5DA}</a:tableStyleId>
+              </a:tblPr>
+              <a:tblGrid>
+                <a:gridCol w="685800">
+                  <a:extLst>
+                    <a:ext uri="{9D8B030D-6E8A-4147-A177-3AD203B41FA5}">
+                      <a16:colId xmlns:a16="http://schemas.microsoft.com/office/drawing/2014/main" val="2710160738"/>
+                    </a:ext>
+                  </a:extLst>
+                </a:gridCol>
+                <a:gridCol w="3449781">
+                  <a:extLst>
+                    <a:ext uri="{9D8B030D-6E8A-4147-A177-3AD203B41FA5}">
+                      <a16:colId xmlns:a16="http://schemas.microsoft.com/office/drawing/2014/main" val="3875518407"/>
+                    </a:ext>
+                  </a:extLst>
+                </a:gridCol>
+                <a:gridCol w="2275609">
+                  <a:extLst>
+                    <a:ext uri="{9D8B030D-6E8A-4147-A177-3AD203B41FA5}">
+                      <a16:colId xmlns:a16="http://schemas.microsoft.com/office/drawing/2014/main" val="3356012082"/>
+                    </a:ext>
+                  </a:extLst>
+                </a:gridCol>
+                <a:gridCol w="5268192">
+                  <a:extLst>
+                    <a:ext uri="{9D8B030D-6E8A-4147-A177-3AD203B41FA5}">
+                      <a16:colId xmlns:a16="http://schemas.microsoft.com/office/drawing/2014/main" val="3454548035"/>
+                    </a:ext>
+                  </a:extLst>
+                </a:gridCol>
+              </a:tblGrid>
+              <a:tr h="739891">
+                <a:tc>
+                  <a:txBody>
+                    <a:bodyPr/>
+                    <a:lstStyle/>
+                    <a:p>
+                      <a:pPr marL="0" marR="0" lvl="0" indent="0" algn="ctr" defTabSz="914400" rtl="0" eaLnBrk="1" fontAlgn="auto" latinLnBrk="0" hangingPunct="1">
+                        <a:lnSpc>
+                          <a:spcPct val="100000"/>
+                        </a:lnSpc>
+                        <a:spcBef>
+                          <a:spcPts val="0"/>
+                        </a:spcBef>
+                        <a:spcAft>
+                          <a:spcPts val="0"/>
+                        </a:spcAft>
+                        <a:buClrTx/>
+                        <a:buSzTx/>
+                        <a:buFontTx/>
+                        <a:buNone/>
+                        <a:tabLst/>
+                        <a:defRPr/>
+                      </a:pPr>
+                      <a:r>
+                        <a:rPr lang="en-US" sz="1800" dirty="0">
+                          <a:latin typeface="Times New Roman" panose="02020603050405020304" pitchFamily="18" charset="0"/>
+                          <a:cs typeface="Times New Roman" panose="02020603050405020304" pitchFamily="18" charset="0"/>
+                        </a:rPr>
+                        <a:t>Ref. No </a:t>
+                      </a:r>
+                      <a:endParaRPr lang="en-IN" sz="1800" dirty="0">
+                        <a:latin typeface="Times New Roman" panose="02020603050405020304" pitchFamily="18" charset="0"/>
+                        <a:cs typeface="Times New Roman" panose="02020603050405020304" pitchFamily="18" charset="0"/>
+                      </a:endParaRPr>
+                    </a:p>
+                  </a:txBody>
+                  <a:tcPr/>
+                </a:tc>
+                <a:tc>
+                  <a:txBody>
+                    <a:bodyPr/>
+                    <a:lstStyle/>
+                    <a:p>
+                      <a:pPr marL="0" marR="0" lvl="0" indent="0" algn="ctr" defTabSz="914400" rtl="0" eaLnBrk="1" fontAlgn="auto" latinLnBrk="0" hangingPunct="1">
+                        <a:lnSpc>
+                          <a:spcPct val="100000"/>
+                        </a:lnSpc>
+                        <a:spcBef>
+                          <a:spcPts val="0"/>
+                        </a:spcBef>
+                        <a:spcAft>
+                          <a:spcPts val="0"/>
+                        </a:spcAft>
+                        <a:buClrTx/>
+                        <a:buSzTx/>
+                        <a:buFontTx/>
+                        <a:buNone/>
+                        <a:tabLst/>
+                        <a:defRPr/>
+                      </a:pPr>
+                      <a:r>
+                        <a:rPr lang="en-US" sz="1800" b="1" dirty="0">
+                          <a:latin typeface="Times New Roman" panose="02020603050405020304" pitchFamily="18" charset="0"/>
+                          <a:cs typeface="Times New Roman" panose="02020603050405020304" pitchFamily="18" charset="0"/>
+                        </a:rPr>
+                        <a:t>Reference  Papers/Books Name </a:t>
+                      </a:r>
+                      <a:endParaRPr lang="en-IN" sz="1800" b="1" dirty="0">
+                        <a:latin typeface="Times New Roman" panose="02020603050405020304" pitchFamily="18" charset="0"/>
+                        <a:cs typeface="Times New Roman" panose="02020603050405020304" pitchFamily="18" charset="0"/>
+                      </a:endParaRPr>
+                    </a:p>
+                  </a:txBody>
+                  <a:tcPr/>
+                </a:tc>
+                <a:tc>
+                  <a:txBody>
+                    <a:bodyPr/>
+                    <a:lstStyle/>
+                    <a:p>
+                      <a:pPr marL="0" marR="0" lvl="0" indent="0" algn="ctr" defTabSz="914400" rtl="0" eaLnBrk="1" fontAlgn="auto" latinLnBrk="0" hangingPunct="1">
+                        <a:lnSpc>
+                          <a:spcPct val="100000"/>
+                        </a:lnSpc>
+                        <a:spcBef>
+                          <a:spcPts val="0"/>
+                        </a:spcBef>
+                        <a:spcAft>
+                          <a:spcPts val="0"/>
+                        </a:spcAft>
+                        <a:buClrTx/>
+                        <a:buSzTx/>
+                        <a:buFontTx/>
+                        <a:buNone/>
+                        <a:tabLst/>
+                        <a:defRPr/>
+                      </a:pPr>
+                      <a:r>
+                        <a:rPr lang="en-US" sz="1800" b="1" dirty="0">
+                          <a:latin typeface="Times New Roman" panose="02020603050405020304" pitchFamily="18" charset="0"/>
+                          <a:cs typeface="Times New Roman" panose="02020603050405020304" pitchFamily="18" charset="0"/>
+                        </a:rPr>
+                        <a:t>Author Name </a:t>
+                      </a:r>
+                      <a:endParaRPr lang="en-IN" sz="1800" b="1" dirty="0">
+                        <a:latin typeface="Times New Roman" panose="02020603050405020304" pitchFamily="18" charset="0"/>
+                        <a:cs typeface="Times New Roman" panose="02020603050405020304" pitchFamily="18" charset="0"/>
+                      </a:endParaRPr>
+                    </a:p>
+                  </a:txBody>
+                  <a:tcPr/>
+                </a:tc>
+                <a:tc>
+                  <a:txBody>
+                    <a:bodyPr/>
+                    <a:lstStyle/>
+                    <a:p>
+                      <a:pPr algn="ctr"/>
+                      <a:r>
+                        <a:rPr lang="en-US" sz="1800" b="1" dirty="0">
+                          <a:latin typeface="Times New Roman" panose="02020603050405020304" pitchFamily="18" charset="0"/>
+                          <a:cs typeface="Times New Roman" panose="02020603050405020304" pitchFamily="18" charset="0"/>
+                        </a:rPr>
+                        <a:t>Description</a:t>
+                      </a:r>
+                      <a:endParaRPr lang="en-US" sz="1800" dirty="0">
+                        <a:latin typeface="Times New Roman" panose="02020603050405020304" pitchFamily="18" charset="0"/>
+                        <a:cs typeface="Times New Roman" panose="02020603050405020304" pitchFamily="18" charset="0"/>
+                      </a:endParaRPr>
+                    </a:p>
+                  </a:txBody>
+                  <a:tcPr/>
+                </a:tc>
+                <a:extLst>
+                  <a:ext uri="{0D108BD9-81ED-4DB2-BD59-A6C34878D82A}">
+                    <a16:rowId xmlns:a16="http://schemas.microsoft.com/office/drawing/2014/main" val="3620235572"/>
+                  </a:ext>
+                </a:extLst>
+              </a:tr>
+              <a:tr h="2008273">
+                <a:tc>
+                  <a:txBody>
+                    <a:bodyPr/>
+                    <a:lstStyle/>
+                    <a:p>
+                      <a:pPr algn="ctr"/>
+                      <a:r>
+                        <a:rPr lang="en-US" sz="1800" dirty="0">
+                          <a:latin typeface="Times New Roman" panose="02020603050405020304" pitchFamily="18" charset="0"/>
+                          <a:cs typeface="Times New Roman" panose="02020603050405020304" pitchFamily="18" charset="0"/>
+                        </a:rPr>
+                        <a:t>3.</a:t>
+                      </a:r>
+                    </a:p>
+                  </a:txBody>
+                  <a:tcPr/>
+                </a:tc>
+                <a:tc>
+                  <a:txBody>
+                    <a:bodyPr/>
+                    <a:lstStyle/>
+                    <a:p>
+                      <a:pPr algn="just"/>
+                      <a:r>
+                        <a:rPr lang="en-US" dirty="0">
+                          <a:latin typeface="Times New Roman" panose="02020603050405020304" pitchFamily="18" charset="0"/>
+                          <a:cs typeface="Times New Roman" panose="02020603050405020304" pitchFamily="18" charset="0"/>
+                        </a:rPr>
+                        <a:t>Real Time Voice Translator</a:t>
+                      </a:r>
+                      <a:endParaRPr lang="en-US" sz="1800" dirty="0">
+                        <a:latin typeface="Times New Roman" panose="02020603050405020304" pitchFamily="18" charset="0"/>
+                        <a:cs typeface="Times New Roman" panose="02020603050405020304" pitchFamily="18" charset="0"/>
+                      </a:endParaRPr>
+                    </a:p>
+                  </a:txBody>
+                  <a:tcPr/>
+                </a:tc>
+                <a:tc>
+                  <a:txBody>
+                    <a:bodyPr/>
+                    <a:lstStyle/>
+                    <a:p>
+                      <a:pPr algn="just"/>
+                      <a:r>
+                        <a:rPr lang="en-US" dirty="0">
+                          <a:latin typeface="Times New Roman" panose="02020603050405020304" pitchFamily="18" charset="0"/>
+                          <a:cs typeface="Times New Roman" panose="02020603050405020304" pitchFamily="18" charset="0"/>
+                        </a:rPr>
+                        <a:t>Darshan </a:t>
+                      </a:r>
+                      <a:r>
+                        <a:rPr lang="en-US" dirty="0" err="1">
+                          <a:latin typeface="Times New Roman" panose="02020603050405020304" pitchFamily="18" charset="0"/>
+                          <a:cs typeface="Times New Roman" panose="02020603050405020304" pitchFamily="18" charset="0"/>
+                        </a:rPr>
+                        <a:t>Shilvant</a:t>
+                      </a:r>
+                      <a:r>
+                        <a:rPr lang="en-US" dirty="0">
+                          <a:latin typeface="Times New Roman" panose="02020603050405020304" pitchFamily="18" charset="0"/>
+                          <a:cs typeface="Times New Roman" panose="02020603050405020304" pitchFamily="18" charset="0"/>
+                        </a:rPr>
+                        <a:t>,</a:t>
+                      </a:r>
+                    </a:p>
+                    <a:p>
+                      <a:pPr algn="just"/>
+                      <a:r>
+                        <a:rPr lang="en-US" dirty="0">
+                          <a:latin typeface="Times New Roman" panose="02020603050405020304" pitchFamily="18" charset="0"/>
+                          <a:cs typeface="Times New Roman" panose="02020603050405020304" pitchFamily="18" charset="0"/>
+                        </a:rPr>
+                        <a:t> Ejaz Sayyed,</a:t>
+                      </a:r>
+                    </a:p>
+                    <a:p>
+                      <a:pPr algn="just"/>
+                      <a:r>
+                        <a:rPr lang="en-US" dirty="0">
+                          <a:latin typeface="Times New Roman" panose="02020603050405020304" pitchFamily="18" charset="0"/>
+                          <a:cs typeface="Times New Roman" panose="02020603050405020304" pitchFamily="18" charset="0"/>
+                        </a:rPr>
+                        <a:t> Sarang Jagdale,</a:t>
+                      </a:r>
+                    </a:p>
+                    <a:p>
+                      <a:pPr algn="just"/>
+                      <a:r>
+                        <a:rPr lang="en-US" dirty="0">
+                          <a:latin typeface="Times New Roman" panose="02020603050405020304" pitchFamily="18" charset="0"/>
+                          <a:cs typeface="Times New Roman" panose="02020603050405020304" pitchFamily="18" charset="0"/>
+                        </a:rPr>
+                        <a:t> Prof. Rachika</a:t>
+                      </a:r>
+                    </a:p>
+                    <a:p>
+                      <a:pPr algn="just"/>
+                      <a:r>
+                        <a:rPr lang="en-US" dirty="0">
+                          <a:latin typeface="Times New Roman" panose="02020603050405020304" pitchFamily="18" charset="0"/>
+                          <a:cs typeface="Times New Roman" panose="02020603050405020304" pitchFamily="18" charset="0"/>
+                        </a:rPr>
+                        <a:t> Waghmare</a:t>
+                      </a:r>
+                      <a:endParaRPr lang="en-US" sz="1800" dirty="0">
+                        <a:latin typeface="Times New Roman" panose="02020603050405020304" pitchFamily="18" charset="0"/>
+                        <a:cs typeface="Times New Roman" panose="02020603050405020304" pitchFamily="18" charset="0"/>
+                      </a:endParaRPr>
+                    </a:p>
+                  </a:txBody>
+                  <a:tcPr/>
+                </a:tc>
+                <a:tc>
+                  <a:txBody>
+                    <a:bodyPr/>
+                    <a:lstStyle/>
+                    <a:p>
+                      <a:pPr algn="just"/>
+                      <a:r>
+                        <a:rPr lang="en-US" dirty="0">
+                          <a:latin typeface="Times New Roman" panose="02020603050405020304" pitchFamily="18" charset="0"/>
+                          <a:cs typeface="Times New Roman" panose="02020603050405020304" pitchFamily="18" charset="0"/>
+                        </a:rPr>
+                        <a:t>A </a:t>
+                      </a:r>
+                      <a:r>
+                        <a:rPr lang="en-US" b="1" dirty="0">
+                          <a:latin typeface="Times New Roman" panose="02020603050405020304" pitchFamily="18" charset="0"/>
+                          <a:cs typeface="Times New Roman" panose="02020603050405020304" pitchFamily="18" charset="0"/>
+                        </a:rPr>
+                        <a:t>Real-Time Voice Translator</a:t>
+                      </a:r>
+                      <a:r>
+                        <a:rPr lang="en-US" dirty="0">
+                          <a:latin typeface="Times New Roman" panose="02020603050405020304" pitchFamily="18" charset="0"/>
+                          <a:cs typeface="Times New Roman" panose="02020603050405020304" pitchFamily="18" charset="0"/>
+                        </a:rPr>
+                        <a:t> is a system that listens to what a person says in one language, translates it instantly into another language, and then speaks it out loud. It helps people who speak different languages communicate easily without waiting or needing a third person. The translator uses speech recognition, language translation, and text-to-speech technology to give fast and accurate results, making conversations smooth and natural</a:t>
+                      </a:r>
+                      <a:endParaRPr lang="en-US" sz="1800" dirty="0">
+                        <a:latin typeface="Times New Roman" panose="02020603050405020304" pitchFamily="18" charset="0"/>
+                        <a:cs typeface="Times New Roman" panose="02020603050405020304" pitchFamily="18" charset="0"/>
+                      </a:endParaRPr>
+                    </a:p>
+                  </a:txBody>
+                  <a:tcPr/>
+                </a:tc>
+                <a:extLst>
+                  <a:ext uri="{0D108BD9-81ED-4DB2-BD59-A6C34878D82A}">
+                    <a16:rowId xmlns:a16="http://schemas.microsoft.com/office/drawing/2014/main" val="3942415331"/>
+                  </a:ext>
+                </a:extLst>
+              </a:tr>
+              <a:tr h="2325370">
+                <a:tc>
+                  <a:txBody>
+                    <a:bodyPr/>
+                    <a:lstStyle/>
+                    <a:p>
+                      <a:pPr algn="ctr"/>
+                      <a:r>
+                        <a:rPr lang="en-US" sz="1800" dirty="0">
+                          <a:latin typeface="Times New Roman" panose="02020603050405020304" pitchFamily="18" charset="0"/>
+                          <a:cs typeface="Times New Roman" panose="02020603050405020304" pitchFamily="18" charset="0"/>
+                        </a:rPr>
+                        <a:t>4.</a:t>
+                      </a:r>
+                    </a:p>
+                  </a:txBody>
+                  <a:tcPr/>
+                </a:tc>
+                <a:tc>
+                  <a:txBody>
+                    <a:bodyPr/>
+                    <a:lstStyle/>
+                    <a:p>
+                      <a:pPr algn="just"/>
+                      <a:r>
+                        <a:rPr lang="en-US" dirty="0">
+                          <a:latin typeface="Times New Roman" panose="02020603050405020304" pitchFamily="18" charset="0"/>
+                          <a:cs typeface="Times New Roman" panose="02020603050405020304" pitchFamily="18" charset="0"/>
+                        </a:rPr>
+                        <a:t>REAL TIME LANGUAGE TRANSLATOR</a:t>
+                      </a:r>
+                      <a:endParaRPr lang="en-US" sz="1800" dirty="0">
+                        <a:latin typeface="Times New Roman" panose="02020603050405020304" pitchFamily="18" charset="0"/>
+                        <a:cs typeface="Times New Roman" panose="02020603050405020304" pitchFamily="18" charset="0"/>
+                      </a:endParaRPr>
+                    </a:p>
+                  </a:txBody>
+                  <a:tcPr/>
+                </a:tc>
+                <a:tc>
+                  <a:txBody>
+                    <a:bodyPr/>
+                    <a:lstStyle/>
+                    <a:p>
+                      <a:pPr algn="just"/>
+                      <a:r>
+                        <a:rPr lang="en-US" dirty="0">
+                          <a:latin typeface="Times New Roman" panose="02020603050405020304" pitchFamily="18" charset="0"/>
+                          <a:cs typeface="Times New Roman" panose="02020603050405020304" pitchFamily="18" charset="0"/>
+                        </a:rPr>
+                        <a:t>Siddhi </a:t>
+                      </a:r>
+                      <a:r>
+                        <a:rPr lang="en-US" dirty="0" err="1">
+                          <a:latin typeface="Times New Roman" panose="02020603050405020304" pitchFamily="18" charset="0"/>
+                          <a:cs typeface="Times New Roman" panose="02020603050405020304" pitchFamily="18" charset="0"/>
+                        </a:rPr>
+                        <a:t>Divate</a:t>
+                      </a:r>
+                      <a:r>
+                        <a:rPr lang="en-US" dirty="0">
+                          <a:latin typeface="Times New Roman" panose="02020603050405020304" pitchFamily="18" charset="0"/>
+                          <a:cs typeface="Times New Roman" panose="02020603050405020304" pitchFamily="18" charset="0"/>
+                        </a:rPr>
+                        <a:t>,</a:t>
+                      </a:r>
+                    </a:p>
+                    <a:p>
+                      <a:pPr algn="just"/>
+                      <a:r>
+                        <a:rPr lang="en-US" dirty="0">
+                          <a:latin typeface="Times New Roman" panose="02020603050405020304" pitchFamily="18" charset="0"/>
+                          <a:cs typeface="Times New Roman" panose="02020603050405020304" pitchFamily="18" charset="0"/>
+                        </a:rPr>
+                        <a:t> </a:t>
+                      </a:r>
+                      <a:r>
+                        <a:rPr lang="en-US" dirty="0" err="1">
+                          <a:latin typeface="Times New Roman" panose="02020603050405020304" pitchFamily="18" charset="0"/>
+                          <a:cs typeface="Times New Roman" panose="02020603050405020304" pitchFamily="18" charset="0"/>
+                        </a:rPr>
+                        <a:t>Gajashree</a:t>
+                      </a:r>
+                      <a:r>
+                        <a:rPr lang="en-US" dirty="0">
+                          <a:latin typeface="Times New Roman" panose="02020603050405020304" pitchFamily="18" charset="0"/>
+                          <a:cs typeface="Times New Roman" panose="02020603050405020304" pitchFamily="18" charset="0"/>
+                        </a:rPr>
+                        <a:t> Biradar,</a:t>
+                      </a:r>
+                    </a:p>
+                    <a:p>
+                      <a:pPr algn="just"/>
+                      <a:r>
+                        <a:rPr lang="en-US" dirty="0">
+                          <a:latin typeface="Times New Roman" panose="02020603050405020304" pitchFamily="18" charset="0"/>
+                          <a:cs typeface="Times New Roman" panose="02020603050405020304" pitchFamily="18" charset="0"/>
+                        </a:rPr>
+                        <a:t> Amruta Patole,</a:t>
+                      </a:r>
+                    </a:p>
+                    <a:p>
+                      <a:pPr algn="just"/>
+                      <a:r>
+                        <a:rPr lang="en-US" dirty="0">
+                          <a:latin typeface="Times New Roman" panose="02020603050405020304" pitchFamily="18" charset="0"/>
+                          <a:cs typeface="Times New Roman" panose="02020603050405020304" pitchFamily="18" charset="0"/>
+                        </a:rPr>
+                        <a:t> Nikat Attar</a:t>
+                      </a:r>
+                      <a:endParaRPr lang="en-US" sz="1800" dirty="0">
+                        <a:latin typeface="Times New Roman" panose="02020603050405020304" pitchFamily="18" charset="0"/>
+                        <a:cs typeface="Times New Roman" panose="02020603050405020304" pitchFamily="18" charset="0"/>
+                      </a:endParaRPr>
+                    </a:p>
+                  </a:txBody>
+                  <a:tcPr/>
+                </a:tc>
+                <a:tc>
+                  <a:txBody>
+                    <a:bodyPr/>
+                    <a:lstStyle/>
+                    <a:p>
+                      <a:pPr algn="just"/>
+                      <a:r>
+                        <a:rPr lang="en-US" dirty="0">
+                          <a:latin typeface="Times New Roman" panose="02020603050405020304" pitchFamily="18" charset="0"/>
+                          <a:cs typeface="Times New Roman" panose="02020603050405020304" pitchFamily="18" charset="0"/>
+                        </a:rPr>
+                        <a:t>A </a:t>
+                      </a:r>
+                      <a:r>
+                        <a:rPr lang="en-US" b="1" dirty="0">
+                          <a:latin typeface="Times New Roman" panose="02020603050405020304" pitchFamily="18" charset="0"/>
+                          <a:cs typeface="Times New Roman" panose="02020603050405020304" pitchFamily="18" charset="0"/>
+                        </a:rPr>
+                        <a:t>Real-Time Language Translator</a:t>
+                      </a:r>
+                      <a:r>
+                        <a:rPr lang="en-US" dirty="0">
+                          <a:latin typeface="Times New Roman" panose="02020603050405020304" pitchFamily="18" charset="0"/>
+                          <a:cs typeface="Times New Roman" panose="02020603050405020304" pitchFamily="18" charset="0"/>
+                        </a:rPr>
+                        <a:t> is a system that quickly translates spoken or written words from one language to another as the conversation happens. It uses speech recognition to understand the input, machine translation to convert it, and text-to-speech to speak the translated output</a:t>
+                      </a:r>
+                      <a:endParaRPr lang="en-US" sz="1800" dirty="0">
+                        <a:latin typeface="Times New Roman" panose="02020603050405020304" pitchFamily="18" charset="0"/>
+                        <a:cs typeface="Times New Roman" panose="02020603050405020304" pitchFamily="18" charset="0"/>
+                      </a:endParaRPr>
+                    </a:p>
+                  </a:txBody>
+                  <a:tcPr/>
+                </a:tc>
+                <a:extLst>
+                  <a:ext uri="{0D108BD9-81ED-4DB2-BD59-A6C34878D82A}">
+                    <a16:rowId xmlns:a16="http://schemas.microsoft.com/office/drawing/2014/main" val="362041869"/>
+                  </a:ext>
+                </a:extLst>
+              </a:tr>
+            </a:tbl>
+          </a:graphicData>
+        </a:graphic>
+      </p:graphicFrame>
     </p:spTree>
     <p:extLst>
       <p:ext uri="{BB962C8B-B14F-4D97-AF65-F5344CB8AC3E}">

--- a/PPT/seminar 2nd (1).pptx
+++ b/PPT/seminar 2nd (1).pptx
@@ -4237,13 +4237,13 @@
   <p:clrMapOvr>
     <a:masterClrMapping/>
   </p:clrMapOvr>
-  <mc:AlternateContent xmlns:mc="http://schemas.openxmlformats.org/markup-compatibility/2006">
-    <mc:Choice xmlns:p14="http://schemas.microsoft.com/office/powerpoint/2010/main" Requires="p14">
+  <mc:AlternateContent xmlns:mc="http://schemas.openxmlformats.org/markup-compatibility/2006" xmlns:p14="http://schemas.microsoft.com/office/powerpoint/2010/main">
+    <mc:Choice Requires="p14">
       <p:transition spd="slow" p14:dur="1500">
         <p:split orient="vert"/>
       </p:transition>
     </mc:Choice>
-    <mc:Fallback>
+    <mc:Fallback xmlns="">
       <p:transition spd="slow">
         <p:split orient="vert"/>
       </p:transition>
@@ -9925,8 +9925,8 @@
         </p:blipFill>
         <p:spPr>
           <a:xfrm>
-            <a:off x="4032514" y="0"/>
-            <a:ext cx="7338885" cy="6858000"/>
+            <a:off x="3392434" y="0"/>
+            <a:ext cx="8799566" cy="6858000"/>
           </a:xfrm>
           <a:prstGeom prst="rect">
             <a:avLst/>

--- a/PPT/seminar 2nd (1).pptx
+++ b/PPT/seminar 2nd (1).pptx
@@ -5,7 +5,7 @@
     <p:sldMasterId id="2147483690" r:id="rId1"/>
   </p:sldMasterIdLst>
   <p:notesMasterIdLst>
-    <p:notesMasterId r:id="rId15"/>
+    <p:notesMasterId r:id="rId16"/>
   </p:notesMasterIdLst>
   <p:sldIdLst>
     <p:sldId id="256" r:id="rId2"/>
@@ -21,6 +21,7 @@
     <p:sldId id="283" r:id="rId12"/>
     <p:sldId id="266" r:id="rId13"/>
     <p:sldId id="267" r:id="rId14"/>
+    <p:sldId id="284" r:id="rId15"/>
   </p:sldIdLst>
   <p:sldSz cx="12192000" cy="6858000"/>
   <p:notesSz cx="6858000" cy="9144000"/>
@@ -137,6 +138,7 @@
             <p14:sldId id="283"/>
             <p14:sldId id="266"/>
             <p14:sldId id="267"/>
+            <p14:sldId id="284"/>
           </p14:sldIdLst>
         </p14:section>
       </p14:sectionLst>
@@ -230,7 +232,7 @@
           <a:p>
             <a:fld id="{46F3E964-412C-478F-9619-34D45A6C4A3D}" type="datetimeFigureOut">
               <a:rPr lang="en-IN" smtClean="0"/>
-              <a:t>06-11-2025</a:t>
+              <a:t>07-11-2025</a:t>
             </a:fld>
             <a:endParaRPr lang="en-IN"/>
           </a:p>
@@ -833,7 +835,7 @@
           <a:p>
             <a:fld id="{1A3A546F-4A94-4493-9026-E98BE3464FC9}" type="datetimeFigureOut">
               <a:rPr lang="en-IN" smtClean="0"/>
-              <a:t>06-11-2025</a:t>
+              <a:t>07-11-2025</a:t>
             </a:fld>
             <a:endParaRPr lang="en-IN" dirty="0"/>
           </a:p>
@@ -1031,7 +1033,7 @@
           <a:p>
             <a:fld id="{1A3A546F-4A94-4493-9026-E98BE3464FC9}" type="datetimeFigureOut">
               <a:rPr lang="en-IN" smtClean="0"/>
-              <a:t>06-11-2025</a:t>
+              <a:t>07-11-2025</a:t>
             </a:fld>
             <a:endParaRPr lang="en-IN" dirty="0"/>
           </a:p>
@@ -1239,7 +1241,7 @@
           <a:p>
             <a:fld id="{1A3A546F-4A94-4493-9026-E98BE3464FC9}" type="datetimeFigureOut">
               <a:rPr lang="en-IN" smtClean="0"/>
-              <a:t>06-11-2025</a:t>
+              <a:t>07-11-2025</a:t>
             </a:fld>
             <a:endParaRPr lang="en-IN" dirty="0"/>
           </a:p>
@@ -1437,7 +1439,7 @@
           <a:p>
             <a:fld id="{1A3A546F-4A94-4493-9026-E98BE3464FC9}" type="datetimeFigureOut">
               <a:rPr lang="en-IN" smtClean="0"/>
-              <a:t>06-11-2025</a:t>
+              <a:t>07-11-2025</a:t>
             </a:fld>
             <a:endParaRPr lang="en-IN" dirty="0"/>
           </a:p>
@@ -1712,7 +1714,7 @@
           <a:p>
             <a:fld id="{1A3A546F-4A94-4493-9026-E98BE3464FC9}" type="datetimeFigureOut">
               <a:rPr lang="en-IN" smtClean="0"/>
-              <a:t>06-11-2025</a:t>
+              <a:t>07-11-2025</a:t>
             </a:fld>
             <a:endParaRPr lang="en-IN" dirty="0"/>
           </a:p>
@@ -1977,7 +1979,7 @@
           <a:p>
             <a:fld id="{1A3A546F-4A94-4493-9026-E98BE3464FC9}" type="datetimeFigureOut">
               <a:rPr lang="en-IN" smtClean="0"/>
-              <a:t>06-11-2025</a:t>
+              <a:t>07-11-2025</a:t>
             </a:fld>
             <a:endParaRPr lang="en-IN" dirty="0"/>
           </a:p>
@@ -2389,7 +2391,7 @@
           <a:p>
             <a:fld id="{1A3A546F-4A94-4493-9026-E98BE3464FC9}" type="datetimeFigureOut">
               <a:rPr lang="en-IN" smtClean="0"/>
-              <a:t>06-11-2025</a:t>
+              <a:t>07-11-2025</a:t>
             </a:fld>
             <a:endParaRPr lang="en-IN" dirty="0"/>
           </a:p>
@@ -2530,7 +2532,7 @@
           <a:p>
             <a:fld id="{1A3A546F-4A94-4493-9026-E98BE3464FC9}" type="datetimeFigureOut">
               <a:rPr lang="en-IN" smtClean="0"/>
-              <a:t>06-11-2025</a:t>
+              <a:t>07-11-2025</a:t>
             </a:fld>
             <a:endParaRPr lang="en-IN" dirty="0"/>
           </a:p>
@@ -2643,7 +2645,7 @@
           <a:p>
             <a:fld id="{1A3A546F-4A94-4493-9026-E98BE3464FC9}" type="datetimeFigureOut">
               <a:rPr lang="en-IN" smtClean="0"/>
-              <a:t>06-11-2025</a:t>
+              <a:t>07-11-2025</a:t>
             </a:fld>
             <a:endParaRPr lang="en-IN" dirty="0"/>
           </a:p>
@@ -2954,7 +2956,7 @@
           <a:p>
             <a:fld id="{1A3A546F-4A94-4493-9026-E98BE3464FC9}" type="datetimeFigureOut">
               <a:rPr lang="en-IN" smtClean="0"/>
-              <a:t>06-11-2025</a:t>
+              <a:t>07-11-2025</a:t>
             </a:fld>
             <a:endParaRPr lang="en-IN" dirty="0"/>
           </a:p>
@@ -3242,7 +3244,7 @@
           <a:p>
             <a:fld id="{1A3A546F-4A94-4493-9026-E98BE3464FC9}" type="datetimeFigureOut">
               <a:rPr lang="en-IN" smtClean="0"/>
-              <a:t>06-11-2025</a:t>
+              <a:t>07-11-2025</a:t>
             </a:fld>
             <a:endParaRPr lang="en-IN" dirty="0"/>
           </a:p>
@@ -3483,7 +3485,7 @@
           <a:p>
             <a:fld id="{1A3A546F-4A94-4493-9026-E98BE3464FC9}" type="datetimeFigureOut">
               <a:rPr lang="en-IN" smtClean="0"/>
-              <a:t>06-11-2025</a:t>
+              <a:t>07-11-2025</a:t>
             </a:fld>
             <a:endParaRPr lang="en-IN" dirty="0"/>
           </a:p>
@@ -6281,6 +6283,461 @@
     <p:extLst>
       <p:ext uri="{BB962C8B-B14F-4D97-AF65-F5344CB8AC3E}">
         <p14:creationId xmlns:p14="http://schemas.microsoft.com/office/powerpoint/2010/main" val="1203859627"/>
+      </p:ext>
+    </p:extLst>
+  </p:cSld>
+  <p:clrMapOvr>
+    <a:masterClrMapping/>
+  </p:clrMapOvr>
+</p:sld>
+</file>
+
+<file path=ppt/slides/slide14.xml><?xml version="1.0" encoding="utf-8"?>
+<p:sld xmlns:a="http://schemas.openxmlformats.org/drawingml/2006/main" xmlns:r="http://schemas.openxmlformats.org/officeDocument/2006/relationships" xmlns:p="http://schemas.openxmlformats.org/presentationml/2006/main">
+  <p:cSld>
+    <p:bg>
+      <p:bgPr>
+        <a:solidFill>
+          <a:schemeClr val="bg1"/>
+        </a:solidFill>
+        <a:effectLst/>
+      </p:bgPr>
+    </p:bg>
+    <p:spTree>
+      <p:nvGrpSpPr>
+        <p:cNvPr id="1" name=""/>
+        <p:cNvGrpSpPr/>
+        <p:nvPr/>
+      </p:nvGrpSpPr>
+      <p:grpSpPr>
+        <a:xfrm>
+          <a:off x="0" y="0"/>
+          <a:ext cx="0" cy="0"/>
+          <a:chOff x="0" y="0"/>
+          <a:chExt cx="0" cy="0"/>
+        </a:xfrm>
+      </p:grpSpPr>
+      <p:sp useBgFill="1">
+        <p:nvSpPr>
+          <p:cNvPr id="33" name="Rectangle 32">
+            <a:extLst>
+              <a:ext uri="{FF2B5EF4-FFF2-40B4-BE49-F238E27FC236}">
+                <a16:creationId xmlns:a16="http://schemas.microsoft.com/office/drawing/2014/main" id="{2B97F24A-32CE-4C1C-A50D-3016B394DCFB}"/>
+              </a:ext>
+              <a:ext uri="{C183D7F6-B498-43B3-948B-1728B52AA6E4}">
+                <adec:decorative xmlns:adec="http://schemas.microsoft.com/office/drawing/2017/decorative" val="1"/>
+              </a:ext>
+            </a:extLst>
+          </p:cNvPr>
+          <p:cNvSpPr>
+            <a:spLocks noGrp="1" noRot="1" noChangeAspect="1" noMove="1" noResize="1" noEditPoints="1" noAdjustHandles="1" noChangeArrowheads="1" noChangeShapeType="1" noTextEdit="1"/>
+          </p:cNvSpPr>
+          <p:nvPr>
+            <p:extLst>
+              <p:ext uri="{386F3935-93C4-4BCD-93E2-E3B085C9AB24}">
+                <p16:designElem xmlns:p16="http://schemas.microsoft.com/office/powerpoint/2015/main" val="1"/>
+              </p:ext>
+            </p:extLst>
+          </p:nvPr>
+        </p:nvSpPr>
+        <p:spPr>
+          <a:xfrm>
+            <a:off x="0" y="0"/>
+            <a:ext cx="12192000" cy="6858000"/>
+          </a:xfrm>
+          <a:prstGeom prst="rect">
+            <a:avLst/>
+          </a:prstGeom>
+          <a:ln>
+            <a:noFill/>
+          </a:ln>
+        </p:spPr>
+        <p:style>
+          <a:lnRef idx="2">
+            <a:schemeClr val="accent1">
+              <a:shade val="50000"/>
+            </a:schemeClr>
+          </a:lnRef>
+          <a:fillRef idx="1">
+            <a:schemeClr val="accent1"/>
+          </a:fillRef>
+          <a:effectRef idx="0">
+            <a:schemeClr val="accent1"/>
+          </a:effectRef>
+          <a:fontRef idx="minor">
+            <a:schemeClr val="lt1"/>
+          </a:fontRef>
+        </p:style>
+        <p:txBody>
+          <a:bodyPr rtlCol="0" anchor="ctr"/>
+          <a:lstStyle/>
+          <a:p>
+            <a:pPr algn="ctr"/>
+            <a:endParaRPr lang="en-US"/>
+          </a:p>
+        </p:txBody>
+      </p:sp>
+      <p:sp>
+        <p:nvSpPr>
+          <p:cNvPr id="35" name="sketch line">
+            <a:extLst>
+              <a:ext uri="{FF2B5EF4-FFF2-40B4-BE49-F238E27FC236}">
+                <a16:creationId xmlns:a16="http://schemas.microsoft.com/office/drawing/2014/main" id="{CD8B4F24-440B-49E9-B85D-733523DC064B}"/>
+              </a:ext>
+              <a:ext uri="{C183D7F6-B498-43B3-948B-1728B52AA6E4}">
+                <adec:decorative xmlns:adec="http://schemas.microsoft.com/office/drawing/2017/decorative" val="1"/>
+              </a:ext>
+            </a:extLst>
+          </p:cNvPr>
+          <p:cNvSpPr>
+            <a:spLocks noGrp="1" noRot="1" noChangeAspect="1" noMove="1" noResize="1" noEditPoints="1" noAdjustHandles="1" noChangeArrowheads="1" noChangeShapeType="1" noTextEdit="1"/>
+          </p:cNvSpPr>
+          <p:nvPr>
+            <p:extLst>
+              <p:ext uri="{386F3935-93C4-4BCD-93E2-E3B085C9AB24}">
+                <p16:designElem xmlns:p16="http://schemas.microsoft.com/office/powerpoint/2015/main" val="1"/>
+              </p:ext>
+            </p:extLst>
+          </p:nvPr>
+        </p:nvSpPr>
+        <p:spPr>
+          <a:xfrm>
+            <a:off x="643278" y="2573756"/>
+            <a:ext cx="3255095" cy="18288"/>
+          </a:xfrm>
+          <a:custGeom>
+            <a:avLst/>
+            <a:gdLst>
+              <a:gd name="connsiteX0" fmla="*/ 0 w 3255095"/>
+              <a:gd name="connsiteY0" fmla="*/ 0 h 18288"/>
+              <a:gd name="connsiteX1" fmla="*/ 618468 w 3255095"/>
+              <a:gd name="connsiteY1" fmla="*/ 0 h 18288"/>
+              <a:gd name="connsiteX2" fmla="*/ 1269487 w 3255095"/>
+              <a:gd name="connsiteY2" fmla="*/ 0 h 18288"/>
+              <a:gd name="connsiteX3" fmla="*/ 1953057 w 3255095"/>
+              <a:gd name="connsiteY3" fmla="*/ 0 h 18288"/>
+              <a:gd name="connsiteX4" fmla="*/ 2636627 w 3255095"/>
+              <a:gd name="connsiteY4" fmla="*/ 0 h 18288"/>
+              <a:gd name="connsiteX5" fmla="*/ 3255095 w 3255095"/>
+              <a:gd name="connsiteY5" fmla="*/ 0 h 18288"/>
+              <a:gd name="connsiteX6" fmla="*/ 3255095 w 3255095"/>
+              <a:gd name="connsiteY6" fmla="*/ 18288 h 18288"/>
+              <a:gd name="connsiteX7" fmla="*/ 2538974 w 3255095"/>
+              <a:gd name="connsiteY7" fmla="*/ 18288 h 18288"/>
+              <a:gd name="connsiteX8" fmla="*/ 1822853 w 3255095"/>
+              <a:gd name="connsiteY8" fmla="*/ 18288 h 18288"/>
+              <a:gd name="connsiteX9" fmla="*/ 1171834 w 3255095"/>
+              <a:gd name="connsiteY9" fmla="*/ 18288 h 18288"/>
+              <a:gd name="connsiteX10" fmla="*/ 0 w 3255095"/>
+              <a:gd name="connsiteY10" fmla="*/ 18288 h 18288"/>
+              <a:gd name="connsiteX11" fmla="*/ 0 w 3255095"/>
+              <a:gd name="connsiteY11" fmla="*/ 0 h 18288"/>
+            </a:gdLst>
+            <a:ahLst/>
+            <a:cxnLst>
+              <a:cxn ang="0">
+                <a:pos x="connsiteX0" y="connsiteY0"/>
+              </a:cxn>
+              <a:cxn ang="0">
+                <a:pos x="connsiteX1" y="connsiteY1"/>
+              </a:cxn>
+              <a:cxn ang="0">
+                <a:pos x="connsiteX2" y="connsiteY2"/>
+              </a:cxn>
+              <a:cxn ang="0">
+                <a:pos x="connsiteX3" y="connsiteY3"/>
+              </a:cxn>
+              <a:cxn ang="0">
+                <a:pos x="connsiteX4" y="connsiteY4"/>
+              </a:cxn>
+              <a:cxn ang="0">
+                <a:pos x="connsiteX5" y="connsiteY5"/>
+              </a:cxn>
+              <a:cxn ang="0">
+                <a:pos x="connsiteX6" y="connsiteY6"/>
+              </a:cxn>
+              <a:cxn ang="0">
+                <a:pos x="connsiteX7" y="connsiteY7"/>
+              </a:cxn>
+              <a:cxn ang="0">
+                <a:pos x="connsiteX8" y="connsiteY8"/>
+              </a:cxn>
+              <a:cxn ang="0">
+                <a:pos x="connsiteX9" y="connsiteY9"/>
+              </a:cxn>
+              <a:cxn ang="0">
+                <a:pos x="connsiteX10" y="connsiteY10"/>
+              </a:cxn>
+              <a:cxn ang="0">
+                <a:pos x="connsiteX11" y="connsiteY11"/>
+              </a:cxn>
+            </a:cxnLst>
+            <a:rect l="l" t="t" r="r" b="b"/>
+            <a:pathLst>
+              <a:path w="3255095" h="18288" fill="none" extrusionOk="0">
+                <a:moveTo>
+                  <a:pt x="0" y="0"/>
+                </a:moveTo>
+                <a:cubicBezTo>
+                  <a:pt x="240201" y="-22123"/>
+                  <a:pt x="462021" y="-19623"/>
+                  <a:pt x="618468" y="0"/>
+                </a:cubicBezTo>
+                <a:cubicBezTo>
+                  <a:pt x="774915" y="19623"/>
+                  <a:pt x="974734" y="2035"/>
+                  <a:pt x="1269487" y="0"/>
+                </a:cubicBezTo>
+                <a:cubicBezTo>
+                  <a:pt x="1564240" y="-2035"/>
+                  <a:pt x="1733579" y="10639"/>
+                  <a:pt x="1953057" y="0"/>
+                </a:cubicBezTo>
+                <a:cubicBezTo>
+                  <a:pt x="2172535" y="-10639"/>
+                  <a:pt x="2453962" y="14018"/>
+                  <a:pt x="2636627" y="0"/>
+                </a:cubicBezTo>
+                <a:cubicBezTo>
+                  <a:pt x="2819292" y="-14018"/>
+                  <a:pt x="3121375" y="5399"/>
+                  <a:pt x="3255095" y="0"/>
+                </a:cubicBezTo>
+                <a:cubicBezTo>
+                  <a:pt x="3254386" y="8157"/>
+                  <a:pt x="3254682" y="12125"/>
+                  <a:pt x="3255095" y="18288"/>
+                </a:cubicBezTo>
+                <a:cubicBezTo>
+                  <a:pt x="3088545" y="23203"/>
+                  <a:pt x="2687475" y="7419"/>
+                  <a:pt x="2538974" y="18288"/>
+                </a:cubicBezTo>
+                <a:cubicBezTo>
+                  <a:pt x="2390473" y="29157"/>
+                  <a:pt x="2137381" y="-8959"/>
+                  <a:pt x="1822853" y="18288"/>
+                </a:cubicBezTo>
+                <a:cubicBezTo>
+                  <a:pt x="1508325" y="45535"/>
+                  <a:pt x="1466437" y="20385"/>
+                  <a:pt x="1171834" y="18288"/>
+                </a:cubicBezTo>
+                <a:cubicBezTo>
+                  <a:pt x="877231" y="16191"/>
+                  <a:pt x="561097" y="37643"/>
+                  <a:pt x="0" y="18288"/>
+                </a:cubicBezTo>
+                <a:cubicBezTo>
+                  <a:pt x="-46" y="12483"/>
+                  <a:pt x="-203" y="6491"/>
+                  <a:pt x="0" y="0"/>
+                </a:cubicBezTo>
+                <a:close/>
+              </a:path>
+              <a:path w="3255095" h="18288" stroke="0" extrusionOk="0">
+                <a:moveTo>
+                  <a:pt x="0" y="0"/>
+                </a:moveTo>
+                <a:cubicBezTo>
+                  <a:pt x="291965" y="19429"/>
+                  <a:pt x="363155" y="8568"/>
+                  <a:pt x="618468" y="0"/>
+                </a:cubicBezTo>
+                <a:cubicBezTo>
+                  <a:pt x="873781" y="-8568"/>
+                  <a:pt x="904459" y="-19505"/>
+                  <a:pt x="1171834" y="0"/>
+                </a:cubicBezTo>
+                <a:cubicBezTo>
+                  <a:pt x="1439209" y="19505"/>
+                  <a:pt x="1744369" y="9790"/>
+                  <a:pt x="1887955" y="0"/>
+                </a:cubicBezTo>
+                <a:cubicBezTo>
+                  <a:pt x="2031541" y="-9790"/>
+                  <a:pt x="2346378" y="21240"/>
+                  <a:pt x="2506423" y="0"/>
+                </a:cubicBezTo>
+                <a:cubicBezTo>
+                  <a:pt x="2666468" y="-21240"/>
+                  <a:pt x="2990257" y="30414"/>
+                  <a:pt x="3255095" y="0"/>
+                </a:cubicBezTo>
+                <a:cubicBezTo>
+                  <a:pt x="3254831" y="4493"/>
+                  <a:pt x="3255479" y="9472"/>
+                  <a:pt x="3255095" y="18288"/>
+                </a:cubicBezTo>
+                <a:cubicBezTo>
+                  <a:pt x="3120743" y="16690"/>
+                  <a:pt x="2759628" y="42462"/>
+                  <a:pt x="2604076" y="18288"/>
+                </a:cubicBezTo>
+                <a:cubicBezTo>
+                  <a:pt x="2448524" y="-5886"/>
+                  <a:pt x="2184336" y="19599"/>
+                  <a:pt x="1887955" y="18288"/>
+                </a:cubicBezTo>
+                <a:cubicBezTo>
+                  <a:pt x="1591574" y="16977"/>
+                  <a:pt x="1548845" y="6870"/>
+                  <a:pt x="1334589" y="18288"/>
+                </a:cubicBezTo>
+                <a:cubicBezTo>
+                  <a:pt x="1120333" y="29706"/>
+                  <a:pt x="996014" y="9662"/>
+                  <a:pt x="683570" y="18288"/>
+                </a:cubicBezTo>
+                <a:cubicBezTo>
+                  <a:pt x="371126" y="26914"/>
+                  <a:pt x="198687" y="16167"/>
+                  <a:pt x="0" y="18288"/>
+                </a:cubicBezTo>
+                <a:cubicBezTo>
+                  <a:pt x="843" y="9577"/>
+                  <a:pt x="371" y="6900"/>
+                  <a:pt x="0" y="0"/>
+                </a:cubicBezTo>
+                <a:close/>
+              </a:path>
+            </a:pathLst>
+          </a:custGeom>
+          <a:solidFill>
+            <a:schemeClr val="accent2"/>
+          </a:solidFill>
+          <a:ln w="38100" cap="rnd">
+            <a:solidFill>
+              <a:schemeClr val="accent2"/>
+            </a:solidFill>
+            <a:round/>
+            <a:extLst>
+              <a:ext uri="{C807C97D-BFC1-408E-A445-0C87EB9F89A2}">
+                <ask:lineSketchStyleProps xmlns:ask="http://schemas.microsoft.com/office/drawing/2018/sketchyshapes" sd="1219033472">
+                  <a:prstGeom prst="rect">
+                    <a:avLst/>
+                  </a:prstGeom>
+                  <ask:type>
+                    <ask:lineSketchFreehand/>
+                  </ask:type>
+                </ask:lineSketchStyleProps>
+              </a:ext>
+            </a:extLst>
+          </a:ln>
+        </p:spPr>
+        <p:style>
+          <a:lnRef idx="2">
+            <a:schemeClr val="accent1">
+              <a:shade val="50000"/>
+            </a:schemeClr>
+          </a:lnRef>
+          <a:fillRef idx="1">
+            <a:schemeClr val="accent1"/>
+          </a:fillRef>
+          <a:effectRef idx="0">
+            <a:schemeClr val="accent1"/>
+          </a:effectRef>
+          <a:fontRef idx="minor">
+            <a:schemeClr val="lt1"/>
+          </a:fontRef>
+        </p:style>
+        <p:txBody>
+          <a:bodyPr rtlCol="0" anchor="ctr"/>
+          <a:lstStyle/>
+          <a:p>
+            <a:pPr algn="ctr"/>
+            <a:endParaRPr lang="en-US"/>
+          </a:p>
+        </p:txBody>
+      </p:sp>
+      <p:sp>
+        <p:nvSpPr>
+          <p:cNvPr id="12" name="TextBox 11">
+            <a:extLst>
+              <a:ext uri="{FF2B5EF4-FFF2-40B4-BE49-F238E27FC236}">
+                <a16:creationId xmlns:a16="http://schemas.microsoft.com/office/drawing/2014/main" id="{3DDDD466-60BC-1059-7543-89D0D144125A}"/>
+              </a:ext>
+            </a:extLst>
+          </p:cNvPr>
+          <p:cNvSpPr txBox="1"/>
+          <p:nvPr/>
+        </p:nvSpPr>
+        <p:spPr>
+          <a:xfrm>
+            <a:off x="630936" y="2807208"/>
+            <a:ext cx="3429000" cy="3410712"/>
+          </a:xfrm>
+          <a:prstGeom prst="rect">
+            <a:avLst/>
+          </a:prstGeom>
+        </p:spPr>
+        <p:txBody>
+          <a:bodyPr vert="horz" lIns="91440" tIns="45720" rIns="91440" bIns="45720" rtlCol="0" anchor="t">
+            <a:normAutofit/>
+          </a:bodyPr>
+          <a:lstStyle/>
+          <a:p>
+            <a:pPr indent="-228600">
+              <a:lnSpc>
+                <a:spcPct val="90000"/>
+              </a:lnSpc>
+              <a:spcAft>
+                <a:spcPts val="600"/>
+              </a:spcAft>
+              <a:buFont typeface="Arial" panose="020B0604020202020204" pitchFamily="34" charset="0"/>
+              <a:buChar char="•"/>
+            </a:pPr>
+            <a:r>
+              <a:rPr lang="en-US" sz="2200" b="1"/>
+              <a:t>For more information of project </a:t>
+            </a:r>
+            <a:r>
+              <a:rPr lang="en-US" sz="2200" u="sng"/>
+              <a:t>https://github.com/sanketbodakhe68/finel-year-projet.git</a:t>
+            </a:r>
+          </a:p>
+        </p:txBody>
+      </p:sp>
+      <p:pic>
+        <p:nvPicPr>
+          <p:cNvPr id="11" name="Picture 10" descr="A thank you sign with blue and orange arrows">
+            <a:extLst>
+              <a:ext uri="{FF2B5EF4-FFF2-40B4-BE49-F238E27FC236}">
+                <a16:creationId xmlns:a16="http://schemas.microsoft.com/office/drawing/2014/main" id="{827FC1A2-981A-B05C-1438-BE21B141A61E}"/>
+              </a:ext>
+            </a:extLst>
+          </p:cNvPr>
+          <p:cNvPicPr>
+            <a:picLocks noChangeAspect="1"/>
+          </p:cNvPicPr>
+          <p:nvPr/>
+        </p:nvPicPr>
+        <p:blipFill>
+          <a:blip r:embed="rId2">
+            <a:extLst>
+              <a:ext uri="{28A0092B-C50C-407E-A947-70E740481C1C}">
+                <a14:useLocalDpi xmlns:a14="http://schemas.microsoft.com/office/drawing/2010/main" val="0"/>
+              </a:ext>
+            </a:extLst>
+          </a:blip>
+          <a:stretch>
+            <a:fillRect/>
+          </a:stretch>
+        </p:blipFill>
+        <p:spPr>
+          <a:xfrm>
+            <a:off x="4059936" y="301317"/>
+            <a:ext cx="8742244" cy="6556683"/>
+          </a:xfrm>
+          <a:prstGeom prst="rect">
+            <a:avLst/>
+          </a:prstGeom>
+        </p:spPr>
+      </p:pic>
+    </p:spTree>
+    <p:extLst>
+      <p:ext uri="{BB962C8B-B14F-4D97-AF65-F5344CB8AC3E}">
+        <p14:creationId xmlns:p14="http://schemas.microsoft.com/office/powerpoint/2010/main" val="3803982674"/>
       </p:ext>
     </p:extLst>
   </p:cSld>
